--- a/slides/02_git_github.pptx
+++ b/slides/02_git_github.pptx
@@ -2501,7 +2501,7 @@
                 <a:spcPct val="100000"/>
               </a:lnSpc>
             </a:pPr>
-            <a:fld id="{99F64D29-5824-4282-8E6B-84B725DE89C8}" type="slidenum">
+            <a:fld id="{AF21E9FD-CD1C-4E2F-AD1F-28A7286B1ACC}" type="slidenum">
               <a:rPr lang="en-US" sz="1200">
                 <a:solidFill>
                   <a:srgbClr val="8b8b8b"/>
@@ -3032,7 +3032,7 @@
                 <a:spcPct val="100000"/>
               </a:lnSpc>
             </a:pPr>
-            <a:fld id="{41CE0545-666A-4F6D-B584-963350992DF3}" type="slidenum">
+            <a:fld id="{43461BA8-8E65-4F04-9B4A-074D3D7B6619}" type="slidenum">
               <a:rPr lang="en-US" sz="1200">
                 <a:solidFill>
                   <a:srgbClr val="8b8b8b"/>
@@ -3459,6 +3459,33 @@
       </p:sp>
     </p:spTree>
   </p:cSld>
+  <p:timing>
+    <p:tnLst>
+      <p:par>
+        <p:cTn id="19" dur="indefinite" restart="never" nodeType="tmRoot">
+          <p:childTnLst>
+            <p:seq>
+              <p:cTn id="20" nodeType="mainSeq"/>
+              <p:prevCondLst>
+                <p:cond delay="0" evt="onPrev">
+                  <p:tgtEl>
+                    <p:sldTgt/>
+                  </p:tgtEl>
+                </p:cond>
+              </p:prevCondLst>
+              <p:nextCondLst>
+                <p:cond delay="0" evt="onNext">
+                  <p:tgtEl>
+                    <p:sldTgt/>
+                  </p:tgtEl>
+                </p:cond>
+              </p:nextCondLst>
+            </p:seq>
+          </p:childTnLst>
+        </p:cTn>
+      </p:par>
+    </p:tnLst>
+  </p:timing>
 </p:sld>
 </file>
 
@@ -3650,6 +3677,33 @@
       </p:sp>
     </p:spTree>
   </p:cSld>
+  <p:timing>
+    <p:tnLst>
+      <p:par>
+        <p:cTn id="21" dur="indefinite" restart="never" nodeType="tmRoot">
+          <p:childTnLst>
+            <p:seq>
+              <p:cTn id="22" nodeType="mainSeq"/>
+              <p:prevCondLst>
+                <p:cond delay="0" evt="onPrev">
+                  <p:tgtEl>
+                    <p:sldTgt/>
+                  </p:tgtEl>
+                </p:cond>
+              </p:prevCondLst>
+              <p:nextCondLst>
+                <p:cond delay="0" evt="onNext">
+                  <p:tgtEl>
+                    <p:sldTgt/>
+                  </p:tgtEl>
+                </p:cond>
+              </p:nextCondLst>
+            </p:seq>
+          </p:childTnLst>
+        </p:cTn>
+      </p:par>
+    </p:tnLst>
+  </p:timing>
 </p:sld>
 </file>
 
@@ -3841,6 +3895,33 @@
       </p:sp>
     </p:spTree>
   </p:cSld>
+  <p:timing>
+    <p:tnLst>
+      <p:par>
+        <p:cTn id="23" dur="indefinite" restart="never" nodeType="tmRoot">
+          <p:childTnLst>
+            <p:seq>
+              <p:cTn id="24" nodeType="mainSeq"/>
+              <p:prevCondLst>
+                <p:cond delay="0" evt="onPrev">
+                  <p:tgtEl>
+                    <p:sldTgt/>
+                  </p:tgtEl>
+                </p:cond>
+              </p:prevCondLst>
+              <p:nextCondLst>
+                <p:cond delay="0" evt="onNext">
+                  <p:tgtEl>
+                    <p:sldTgt/>
+                  </p:tgtEl>
+                </p:cond>
+              </p:nextCondLst>
+            </p:seq>
+          </p:childTnLst>
+        </p:cTn>
+      </p:par>
+    </p:tnLst>
+  </p:timing>
 </p:sld>
 </file>
 
@@ -4127,6 +4208,33 @@
       </p:sp>
     </p:spTree>
   </p:cSld>
+  <p:timing>
+    <p:tnLst>
+      <p:par>
+        <p:cTn id="25" dur="indefinite" restart="never" nodeType="tmRoot">
+          <p:childTnLst>
+            <p:seq>
+              <p:cTn id="26" nodeType="mainSeq"/>
+              <p:prevCondLst>
+                <p:cond delay="0" evt="onPrev">
+                  <p:tgtEl>
+                    <p:sldTgt/>
+                  </p:tgtEl>
+                </p:cond>
+              </p:prevCondLst>
+              <p:nextCondLst>
+                <p:cond delay="0" evt="onNext">
+                  <p:tgtEl>
+                    <p:sldTgt/>
+                  </p:tgtEl>
+                </p:cond>
+              </p:nextCondLst>
+            </p:seq>
+          </p:childTnLst>
+        </p:cTn>
+      </p:par>
+    </p:tnLst>
+  </p:timing>
 </p:sld>
 </file>
 
@@ -4208,6 +4316,33 @@
       </p:sp>
     </p:spTree>
   </p:cSld>
+  <p:timing>
+    <p:tnLst>
+      <p:par>
+        <p:cTn id="27" dur="indefinite" restart="never" nodeType="tmRoot">
+          <p:childTnLst>
+            <p:seq>
+              <p:cTn id="28" nodeType="mainSeq"/>
+              <p:prevCondLst>
+                <p:cond delay="0" evt="onPrev">
+                  <p:tgtEl>
+                    <p:sldTgt/>
+                  </p:tgtEl>
+                </p:cond>
+              </p:prevCondLst>
+              <p:nextCondLst>
+                <p:cond delay="0" evt="onNext">
+                  <p:tgtEl>
+                    <p:sldTgt/>
+                  </p:tgtEl>
+                </p:cond>
+              </p:nextCondLst>
+            </p:seq>
+          </p:childTnLst>
+        </p:cTn>
+      </p:par>
+    </p:tnLst>
+  </p:timing>
 </p:sld>
 </file>
 
@@ -4491,6 +4626,33 @@
       </p:sp>
     </p:spTree>
   </p:cSld>
+  <p:timing>
+    <p:tnLst>
+      <p:par>
+        <p:cTn id="29" dur="indefinite" restart="never" nodeType="tmRoot">
+          <p:childTnLst>
+            <p:seq>
+              <p:cTn id="30" nodeType="mainSeq"/>
+              <p:prevCondLst>
+                <p:cond delay="0" evt="onPrev">
+                  <p:tgtEl>
+                    <p:sldTgt/>
+                  </p:tgtEl>
+                </p:cond>
+              </p:prevCondLst>
+              <p:nextCondLst>
+                <p:cond delay="0" evt="onNext">
+                  <p:tgtEl>
+                    <p:sldTgt/>
+                  </p:tgtEl>
+                </p:cond>
+              </p:nextCondLst>
+            </p:seq>
+          </p:childTnLst>
+        </p:cTn>
+      </p:par>
+    </p:tnLst>
+  </p:timing>
 </p:sld>
 </file>
 
@@ -4644,6 +4806,33 @@
       </p:sp>
     </p:spTree>
   </p:cSld>
+  <p:timing>
+    <p:tnLst>
+      <p:par>
+        <p:cTn id="31" dur="indefinite" restart="never" nodeType="tmRoot">
+          <p:childTnLst>
+            <p:seq>
+              <p:cTn id="32" nodeType="mainSeq"/>
+              <p:prevCondLst>
+                <p:cond delay="0" evt="onPrev">
+                  <p:tgtEl>
+                    <p:sldTgt/>
+                  </p:tgtEl>
+                </p:cond>
+              </p:prevCondLst>
+              <p:nextCondLst>
+                <p:cond delay="0" evt="onNext">
+                  <p:tgtEl>
+                    <p:sldTgt/>
+                  </p:tgtEl>
+                </p:cond>
+              </p:nextCondLst>
+            </p:seq>
+          </p:childTnLst>
+        </p:cTn>
+      </p:par>
+    </p:tnLst>
+  </p:timing>
 </p:sld>
 </file>
 
@@ -4927,6 +5116,33 @@
       </p:sp>
     </p:spTree>
   </p:cSld>
+  <p:timing>
+    <p:tnLst>
+      <p:par>
+        <p:cTn id="33" dur="indefinite" restart="never" nodeType="tmRoot">
+          <p:childTnLst>
+            <p:seq>
+              <p:cTn id="34" nodeType="mainSeq"/>
+              <p:prevCondLst>
+                <p:cond delay="0" evt="onPrev">
+                  <p:tgtEl>
+                    <p:sldTgt/>
+                  </p:tgtEl>
+                </p:cond>
+              </p:prevCondLst>
+              <p:nextCondLst>
+                <p:cond delay="0" evt="onNext">
+                  <p:tgtEl>
+                    <p:sldTgt/>
+                  </p:tgtEl>
+                </p:cond>
+              </p:nextCondLst>
+            </p:seq>
+          </p:childTnLst>
+        </p:cTn>
+      </p:par>
+    </p:tnLst>
+  </p:timing>
 </p:sld>
 </file>
 
@@ -5117,6 +5333,33 @@
       </p:sp>
     </p:spTree>
   </p:cSld>
+  <p:timing>
+    <p:tnLst>
+      <p:par>
+        <p:cTn id="35" dur="indefinite" restart="never" nodeType="tmRoot">
+          <p:childTnLst>
+            <p:seq>
+              <p:cTn id="36" nodeType="mainSeq"/>
+              <p:prevCondLst>
+                <p:cond delay="0" evt="onPrev">
+                  <p:tgtEl>
+                    <p:sldTgt/>
+                  </p:tgtEl>
+                </p:cond>
+              </p:prevCondLst>
+              <p:nextCondLst>
+                <p:cond delay="0" evt="onNext">
+                  <p:tgtEl>
+                    <p:sldTgt/>
+                  </p:tgtEl>
+                </p:cond>
+              </p:nextCondLst>
+            </p:seq>
+          </p:childTnLst>
+        </p:cTn>
+      </p:par>
+    </p:tnLst>
+  </p:timing>
 </p:sld>
 </file>
 
@@ -5402,6 +5645,33 @@
       </p:sp>
     </p:spTree>
   </p:cSld>
+  <p:timing>
+    <p:tnLst>
+      <p:par>
+        <p:cTn id="37" dur="indefinite" restart="never" nodeType="tmRoot">
+          <p:childTnLst>
+            <p:seq>
+              <p:cTn id="38" nodeType="mainSeq"/>
+              <p:prevCondLst>
+                <p:cond delay="0" evt="onPrev">
+                  <p:tgtEl>
+                    <p:sldTgt/>
+                  </p:tgtEl>
+                </p:cond>
+              </p:prevCondLst>
+              <p:nextCondLst>
+                <p:cond delay="0" evt="onNext">
+                  <p:tgtEl>
+                    <p:sldTgt/>
+                  </p:tgtEl>
+                </p:cond>
+              </p:nextCondLst>
+            </p:seq>
+          </p:childTnLst>
+        </p:cTn>
+      </p:par>
+    </p:tnLst>
+  </p:timing>
 </p:sld>
 </file>
 
@@ -5529,25 +5799,6 @@
                 <a:latin typeface="Calibri"/>
               </a:rPr>
               <a:t>Using Git with GitHub</a:t>
-            </a:r>
-            <a:endParaRPr/>
-          </a:p>
-          <a:p>
-            <a:pPr>
-              <a:lnSpc>
-                <a:spcPct val="100000"/>
-              </a:lnSpc>
-              <a:buFont typeface="Calibri"/>
-              <a:buAutoNum type="romanUcPeriod"/>
-            </a:pPr>
-            <a:r>
-              <a:rPr lang="en-US" sz="3200">
-                <a:solidFill>
-                  <a:srgbClr val="000000"/>
-                </a:solidFill>
-                <a:latin typeface="Calibri"/>
-              </a:rPr>
-              <a:t>Contributing on GitHub</a:t>
             </a:r>
             <a:endParaRPr/>
           </a:p>
@@ -5885,6 +6136,33 @@
       </p:sp>
     </p:spTree>
   </p:cSld>
+  <p:timing>
+    <p:tnLst>
+      <p:par>
+        <p:cTn id="39" dur="indefinite" restart="never" nodeType="tmRoot">
+          <p:childTnLst>
+            <p:seq>
+              <p:cTn id="40" nodeType="mainSeq"/>
+              <p:prevCondLst>
+                <p:cond delay="0" evt="onPrev">
+                  <p:tgtEl>
+                    <p:sldTgt/>
+                  </p:tgtEl>
+                </p:cond>
+              </p:prevCondLst>
+              <p:nextCondLst>
+                <p:cond delay="0" evt="onNext">
+                  <p:tgtEl>
+                    <p:sldTgt/>
+                  </p:tgtEl>
+                </p:cond>
+              </p:nextCondLst>
+            </p:seq>
+          </p:childTnLst>
+        </p:cTn>
+      </p:par>
+    </p:tnLst>
+  </p:timing>
 </p:sld>
 </file>
 
@@ -6113,6 +6391,33 @@
       </p:sp>
     </p:spTree>
   </p:cSld>
+  <p:timing>
+    <p:tnLst>
+      <p:par>
+        <p:cTn id="41" dur="indefinite" restart="never" nodeType="tmRoot">
+          <p:childTnLst>
+            <p:seq>
+              <p:cTn id="42" nodeType="mainSeq"/>
+              <p:prevCondLst>
+                <p:cond delay="0" evt="onPrev">
+                  <p:tgtEl>
+                    <p:sldTgt/>
+                  </p:tgtEl>
+                </p:cond>
+              </p:prevCondLst>
+              <p:nextCondLst>
+                <p:cond delay="0" evt="onNext">
+                  <p:tgtEl>
+                    <p:sldTgt/>
+                  </p:tgtEl>
+                </p:cond>
+              </p:nextCondLst>
+            </p:seq>
+          </p:childTnLst>
+        </p:cTn>
+      </p:par>
+    </p:tnLst>
+  </p:timing>
 </p:sld>
 </file>
 
@@ -6468,6 +6773,33 @@
       </p:sp>
     </p:spTree>
   </p:cSld>
+  <p:timing>
+    <p:tnLst>
+      <p:par>
+        <p:cTn id="43" dur="indefinite" restart="never" nodeType="tmRoot">
+          <p:childTnLst>
+            <p:seq>
+              <p:cTn id="44" nodeType="mainSeq"/>
+              <p:prevCondLst>
+                <p:cond delay="0" evt="onPrev">
+                  <p:tgtEl>
+                    <p:sldTgt/>
+                  </p:tgtEl>
+                </p:cond>
+              </p:prevCondLst>
+              <p:nextCondLst>
+                <p:cond delay="0" evt="onNext">
+                  <p:tgtEl>
+                    <p:sldTgt/>
+                  </p:tgtEl>
+                </p:cond>
+              </p:nextCondLst>
+            </p:seq>
+          </p:childTnLst>
+        </p:cTn>
+      </p:par>
+    </p:tnLst>
+  </p:timing>
 </p:sld>
 </file>
 
@@ -6702,6 +7034,33 @@
       </p:sp>
     </p:spTree>
   </p:cSld>
+  <p:timing>
+    <p:tnLst>
+      <p:par>
+        <p:cTn id="45" dur="indefinite" restart="never" nodeType="tmRoot">
+          <p:childTnLst>
+            <p:seq>
+              <p:cTn id="46" nodeType="mainSeq"/>
+              <p:prevCondLst>
+                <p:cond delay="0" evt="onPrev">
+                  <p:tgtEl>
+                    <p:sldTgt/>
+                  </p:tgtEl>
+                </p:cond>
+              </p:prevCondLst>
+              <p:nextCondLst>
+                <p:cond delay="0" evt="onNext">
+                  <p:tgtEl>
+                    <p:sldTgt/>
+                  </p:tgtEl>
+                </p:cond>
+              </p:nextCondLst>
+            </p:seq>
+          </p:childTnLst>
+        </p:cTn>
+      </p:par>
+    </p:tnLst>
+  </p:timing>
 </p:sld>
 </file>
 
@@ -6752,7 +7111,7 @@
                 </a:solidFill>
                 <a:latin typeface="Calibri"/>
               </a:rPr>
-              <a:t>IV. Contributing on GitHub</a:t>
+              <a:t>V. Bonus Content</a:t>
             </a:r>
             <a:endParaRPr/>
           </a:p>
@@ -6783,6 +7142,33 @@
       </p:sp>
     </p:spTree>
   </p:cSld>
+  <p:timing>
+    <p:tnLst>
+      <p:par>
+        <p:cTn id="47" dur="indefinite" restart="never" nodeType="tmRoot">
+          <p:childTnLst>
+            <p:seq>
+              <p:cTn id="48" nodeType="mainSeq"/>
+              <p:prevCondLst>
+                <p:cond delay="0" evt="onPrev">
+                  <p:tgtEl>
+                    <p:sldTgt/>
+                  </p:tgtEl>
+                </p:cond>
+              </p:prevCondLst>
+              <p:nextCondLst>
+                <p:cond delay="0" evt="onNext">
+                  <p:tgtEl>
+                    <p:sldTgt/>
+                  </p:tgtEl>
+                </p:cond>
+              </p:nextCondLst>
+            </p:seq>
+          </p:childTnLst>
+        </p:cTn>
+      </p:par>
+    </p:tnLst>
+  </p:timing>
 </p:sld>
 </file>
 
@@ -6833,7 +7219,7 @@
                 </a:solidFill>
                 <a:latin typeface="Calibri"/>
               </a:rPr>
-              <a:t>Forking a repo on GitHub</a:t>
+              <a:t>Two ways to initialize Git</a:t>
             </a:r>
             <a:endParaRPr/>
           </a:p>
@@ -6847,8 +7233,8 @@
         </p:nvSpPr>
         <p:spPr>
           <a:xfrm>
-            <a:off x="457200" y="1447920"/>
-            <a:ext cx="8229240" cy="4876560"/>
+            <a:off x="457200" y="1600200"/>
+            <a:ext cx="8229240" cy="4525560"/>
           </a:xfrm>
           <a:prstGeom prst="rect">
             <a:avLst/>
@@ -6871,7 +7257,7 @@
                 </a:solidFill>
                 <a:latin typeface="Calibri"/>
               </a:rPr>
-              <a:t>What is forking?</a:t>
+              <a:t>Initialize on GitHub:</a:t>
             </a:r>
             <a:endParaRPr/>
           </a:p>
@@ -6890,7 +7276,7 @@
                 </a:solidFill>
                 <a:latin typeface="Calibri"/>
               </a:rPr>
-              <a:t>Copy a repo to your account (including history)</a:t>
+              <a:t>Create a repo on GitHub (with README)</a:t>
             </a:r>
             <a:endParaRPr/>
           </a:p>
@@ -6909,7 +7295,26 @@
                 </a:solidFill>
                 <a:latin typeface="Calibri"/>
               </a:rPr>
-              <a:t>Does not stay in sync with the “upstream”</a:t>
+              <a:t>Clone to your local machine</a:t>
+            </a:r>
+            <a:endParaRPr/>
+          </a:p>
+          <a:p>
+            <a:pPr>
+              <a:lnSpc>
+                <a:spcPct val="100000"/>
+              </a:lnSpc>
+              <a:buFont typeface="Arial"/>
+              <a:buChar char="•"/>
+            </a:pPr>
+            <a:r>
+              <a:rPr lang="en-US" sz="3200">
+                <a:solidFill>
+                  <a:srgbClr val="000000"/>
+                </a:solidFill>
+                <a:latin typeface="Calibri"/>
+              </a:rPr>
+              <a:t>Initialize locally:</a:t>
             </a:r>
             <a:endParaRPr/>
           </a:p>
@@ -6928,35 +7333,16 @@
                 </a:solidFill>
                 <a:latin typeface="Calibri"/>
               </a:rPr>
-              <a:t>Do it! </a:t>
-            </a:r>
-            <a:r>
-              <a:rPr lang="en-US" sz="2800" u="sng">
-                <a:solidFill>
-                  <a:srgbClr val="0000ff"/>
-                </a:solidFill>
-                <a:latin typeface="Calibri"/>
-              </a:rPr>
-              <a:t>github.com/justmarkham/DAT4-students</a:t>
-            </a:r>
-            <a:endParaRPr/>
-          </a:p>
-          <a:p>
-            <a:pPr>
-              <a:lnSpc>
-                <a:spcPct val="100000"/>
-              </a:lnSpc>
-              <a:buFont typeface="Arial"/>
-              <a:buChar char="•"/>
-            </a:pPr>
-            <a:r>
-              <a:rPr lang="en-US" sz="3200">
-                <a:solidFill>
-                  <a:srgbClr val="000000"/>
-                </a:solidFill>
-                <a:latin typeface="Calibri"/>
-              </a:rPr>
-              <a:t>Why fork?</a:t>
+              <a:t>Initialize Git in existing local directory: </a:t>
+            </a:r>
+            <a:r>
+              <a:rPr lang="en-US" sz="2800">
+                <a:solidFill>
+                  <a:srgbClr val="c00000"/>
+                </a:solidFill>
+                <a:latin typeface="Calibri"/>
+              </a:rPr>
+              <a:t>git init</a:t>
             </a:r>
             <a:endParaRPr/>
           </a:p>
@@ -6975,7 +7361,7 @@
                 </a:solidFill>
                 <a:latin typeface="Calibri"/>
               </a:rPr>
-              <a:t>You want to make modifications</a:t>
+              <a:t>Create a repo on GitHub (without README)</a:t>
             </a:r>
             <a:endParaRPr/>
           </a:p>
@@ -6994,61 +7380,58 @@
                 </a:solidFill>
                 <a:latin typeface="Calibri"/>
               </a:rPr>
-              <a:t>You want to contribute to the upstream</a:t>
-            </a:r>
-            <a:endParaRPr/>
-          </a:p>
-          <a:p>
-            <a:pPr>
-              <a:lnSpc>
-                <a:spcPct val="100000"/>
-              </a:lnSpc>
-              <a:buFont typeface="Arial"/>
-              <a:buChar char="•"/>
-            </a:pPr>
-            <a:r>
-              <a:rPr lang="en-US" sz="3200">
-                <a:solidFill>
-                  <a:srgbClr val="000000"/>
-                </a:solidFill>
-                <a:latin typeface="Calibri"/>
-              </a:rPr>
-              <a:t>Clone your fork: </a:t>
-            </a:r>
-            <a:r>
-              <a:rPr lang="en-US" sz="3200">
+              <a:t>Add remote: </a:t>
+            </a:r>
+            <a:r>
+              <a:rPr lang="en-US" sz="2800">
                 <a:solidFill>
                   <a:srgbClr val="c00000"/>
                 </a:solidFill>
                 <a:latin typeface="Calibri"/>
               </a:rPr>
-              <a:t>git clone &lt;your URL&gt;</a:t>
-            </a:r>
-            <a:endParaRPr/>
-          </a:p>
-          <a:p>
-            <a:pPr lvl="1">
-              <a:lnSpc>
-                <a:spcPct val="100000"/>
-              </a:lnSpc>
-              <a:buFont typeface="Arial"/>
-              <a:buChar char="–"/>
-            </a:pPr>
-            <a:r>
-              <a:rPr lang="en-US" sz="2800">
-                <a:solidFill>
-                  <a:srgbClr val="000000"/>
-                </a:solidFill>
-                <a:latin typeface="Calibri"/>
-              </a:rPr>
-              <a:t>Don’t clone inside your other local repo</a:t>
-            </a:r>
+              <a:t>git remote add origin &lt;URL&gt;</a:t>
+            </a:r>
+            <a:endParaRPr/>
+          </a:p>
+          <a:p>
+            <a:pPr>
+              <a:lnSpc>
+                <a:spcPct val="100000"/>
+              </a:lnSpc>
+            </a:pPr>
             <a:endParaRPr/>
           </a:p>
         </p:txBody>
       </p:sp>
     </p:spTree>
   </p:cSld>
+  <p:timing>
+    <p:tnLst>
+      <p:par>
+        <p:cTn id="49" dur="indefinite" restart="never" nodeType="tmRoot">
+          <p:childTnLst>
+            <p:seq>
+              <p:cTn id="50" nodeType="mainSeq"/>
+              <p:prevCondLst>
+                <p:cond delay="0" evt="onPrev">
+                  <p:tgtEl>
+                    <p:sldTgt/>
+                  </p:tgtEl>
+                </p:cond>
+              </p:prevCondLst>
+              <p:nextCondLst>
+                <p:cond delay="0" evt="onNext">
+                  <p:tgtEl>
+                    <p:sldTgt/>
+                  </p:tgtEl>
+                </p:cond>
+              </p:nextCondLst>
+            </p:seq>
+          </p:childTnLst>
+        </p:cTn>
+      </p:par>
+    </p:tnLst>
+  </p:timing>
 </p:sld>
 </file>
 
@@ -7099,39 +7482,174 @@
                 </a:solidFill>
                 <a:latin typeface="Calibri"/>
               </a:rPr>
-              <a:t>GitHub flow for contributing</a:t>
-            </a:r>
-            <a:endParaRPr/>
-          </a:p>
-        </p:txBody>
-      </p:sp>
-      <p:pic>
-        <p:nvPicPr>
-          <p:cNvPr id="129" name="Picture 3" descr=""/>
-          <p:cNvPicPr/>
+              <a:t>Deleting or moving a repo</a:t>
+            </a:r>
+            <a:endParaRPr/>
+          </a:p>
+        </p:txBody>
+      </p:sp>
+      <p:sp>
+        <p:nvSpPr>
+          <p:cNvPr id="129" name="TextShape 2"/>
+          <p:cNvSpPr txBox="1"/>
           <p:nvPr/>
-        </p:nvPicPr>
-        <p:blipFill>
-          <a:blip r:embed="rId1"/>
-          <a:stretch>
-            <a:fillRect/>
-          </a:stretch>
-        </p:blipFill>
-        <p:spPr>
-          <a:xfrm>
-            <a:off x="685800" y="1600200"/>
-            <a:ext cx="7695720" cy="4835160"/>
-          </a:xfrm>
-          <a:prstGeom prst="rect">
-            <a:avLst/>
-          </a:prstGeom>
-          <a:ln>
-            <a:noFill/>
-          </a:ln>
-        </p:spPr>
-      </p:pic>
+        </p:nvSpPr>
+        <p:spPr>
+          <a:xfrm>
+            <a:off x="457200" y="1600200"/>
+            <a:ext cx="8229240" cy="4525560"/>
+          </a:xfrm>
+          <a:prstGeom prst="rect">
+            <a:avLst/>
+          </a:prstGeom>
+        </p:spPr>
+        <p:txBody>
+          <a:bodyPr/>
+          <a:p>
+            <a:pPr>
+              <a:lnSpc>
+                <a:spcPct val="100000"/>
+              </a:lnSpc>
+              <a:buFont typeface="Arial"/>
+              <a:buChar char="•"/>
+            </a:pPr>
+            <a:r>
+              <a:rPr lang="en-US" sz="3200">
+                <a:solidFill>
+                  <a:srgbClr val="000000"/>
+                </a:solidFill>
+                <a:latin typeface="Calibri"/>
+              </a:rPr>
+              <a:t>Deleting a GitHub repo:</a:t>
+            </a:r>
+            <a:endParaRPr/>
+          </a:p>
+          <a:p>
+            <a:pPr lvl="1">
+              <a:lnSpc>
+                <a:spcPct val="100000"/>
+              </a:lnSpc>
+              <a:buFont typeface="Arial"/>
+              <a:buChar char="–"/>
+            </a:pPr>
+            <a:r>
+              <a:rPr lang="en-US" sz="2800">
+                <a:solidFill>
+                  <a:srgbClr val="000000"/>
+                </a:solidFill>
+                <a:latin typeface="Calibri"/>
+              </a:rPr>
+              <a:t>Settings, then Delete</a:t>
+            </a:r>
+            <a:endParaRPr/>
+          </a:p>
+          <a:p>
+            <a:pPr>
+              <a:lnSpc>
+                <a:spcPct val="100000"/>
+              </a:lnSpc>
+              <a:buFont typeface="Arial"/>
+              <a:buChar char="•"/>
+            </a:pPr>
+            <a:r>
+              <a:rPr lang="en-US" sz="3200">
+                <a:solidFill>
+                  <a:srgbClr val="000000"/>
+                </a:solidFill>
+                <a:latin typeface="Calibri"/>
+              </a:rPr>
+              <a:t>Deleting a local repo:</a:t>
+            </a:r>
+            <a:endParaRPr/>
+          </a:p>
+          <a:p>
+            <a:pPr lvl="1">
+              <a:lnSpc>
+                <a:spcPct val="100000"/>
+              </a:lnSpc>
+              <a:buFont typeface="Arial"/>
+              <a:buChar char="–"/>
+            </a:pPr>
+            <a:r>
+              <a:rPr lang="en-US" sz="2800">
+                <a:solidFill>
+                  <a:srgbClr val="000000"/>
+                </a:solidFill>
+                <a:latin typeface="Calibri"/>
+              </a:rPr>
+              <a:t>Just delete the folder!</a:t>
+            </a:r>
+            <a:endParaRPr/>
+          </a:p>
+          <a:p>
+            <a:pPr>
+              <a:lnSpc>
+                <a:spcPct val="100000"/>
+              </a:lnSpc>
+              <a:buFont typeface="Arial"/>
+              <a:buChar char="•"/>
+            </a:pPr>
+            <a:r>
+              <a:rPr lang="en-US" sz="3200">
+                <a:solidFill>
+                  <a:srgbClr val="000000"/>
+                </a:solidFill>
+                <a:latin typeface="Calibri"/>
+              </a:rPr>
+              <a:t>Moving a local repo:</a:t>
+            </a:r>
+            <a:endParaRPr/>
+          </a:p>
+          <a:p>
+            <a:pPr lvl="1">
+              <a:lnSpc>
+                <a:spcPct val="100000"/>
+              </a:lnSpc>
+              <a:buFont typeface="Arial"/>
+              <a:buChar char="–"/>
+            </a:pPr>
+            <a:r>
+              <a:rPr lang="en-US" sz="2800">
+                <a:solidFill>
+                  <a:srgbClr val="000000"/>
+                </a:solidFill>
+                <a:latin typeface="Calibri"/>
+              </a:rPr>
+              <a:t>Just move the folder!</a:t>
+            </a:r>
+            <a:endParaRPr/>
+          </a:p>
+        </p:txBody>
+      </p:sp>
     </p:spTree>
   </p:cSld>
+  <p:timing>
+    <p:tnLst>
+      <p:par>
+        <p:cTn id="51" dur="indefinite" restart="never" nodeType="tmRoot">
+          <p:childTnLst>
+            <p:seq>
+              <p:cTn id="52" nodeType="mainSeq"/>
+              <p:prevCondLst>
+                <p:cond delay="0" evt="onPrev">
+                  <p:tgtEl>
+                    <p:sldTgt/>
+                  </p:tgtEl>
+                </p:cond>
+              </p:prevCondLst>
+              <p:nextCondLst>
+                <p:cond delay="0" evt="onNext">
+                  <p:tgtEl>
+                    <p:sldTgt/>
+                  </p:tgtEl>
+                </p:cond>
+              </p:nextCondLst>
+            </p:seq>
+          </p:childTnLst>
+        </p:cTn>
+      </p:par>
+    </p:tnLst>
+  </p:timing>
 </p:sld>
 </file>
 
@@ -7182,7 +7700,7 @@
                 </a:solidFill>
                 <a:latin typeface="Calibri"/>
               </a:rPr>
-              <a:t>Contribute to DAT4-students</a:t>
+              <a:t>Excluding files from a repo</a:t>
             </a:r>
             <a:endParaRPr/>
           </a:p>
@@ -7197,7 +7715,7 @@
         <p:spPr>
           <a:xfrm>
             <a:off x="457200" y="1600200"/>
-            <a:ext cx="8229240" cy="4800240"/>
+            <a:ext cx="8229240" cy="4525560"/>
           </a:xfrm>
           <a:prstGeom prst="rect">
             <a:avLst/>
@@ -7220,7 +7738,7 @@
                 </a:solidFill>
                 <a:latin typeface="Calibri"/>
               </a:rPr>
-              <a:t>Create a subdirectory in DAT4-students with your first name (lowercase): </a:t>
+              <a:t>Create a “.gitignore” file in your repo: </a:t>
             </a:r>
             <a:r>
               <a:rPr lang="en-US" sz="3200">
@@ -7229,7 +7747,7 @@
                 </a:solidFill>
                 <a:latin typeface="Calibri"/>
               </a:rPr>
-              <a:t>mkdir &lt;name&gt;</a:t>
+              <a:t>touch .gitignore</a:t>
             </a:r>
             <a:endParaRPr/>
           </a:p>
@@ -7248,16 +7766,64 @@
                 </a:solidFill>
                 <a:latin typeface="Calibri"/>
               </a:rPr>
-              <a:t>Change to that subdirectory: </a:t>
-            </a:r>
-            <a:r>
-              <a:rPr lang="en-US" sz="3200">
-                <a:solidFill>
-                  <a:srgbClr val="c00000"/>
-                </a:solidFill>
-                <a:latin typeface="Calibri"/>
-              </a:rPr>
-              <a:t>cd &lt;name&gt;</a:t>
+              <a:t>Specify exclusions, one per line:</a:t>
+            </a:r>
+            <a:endParaRPr/>
+          </a:p>
+          <a:p>
+            <a:pPr lvl="1">
+              <a:lnSpc>
+                <a:spcPct val="100000"/>
+              </a:lnSpc>
+              <a:buFont typeface="Arial"/>
+              <a:buChar char="–"/>
+            </a:pPr>
+            <a:r>
+              <a:rPr lang="en-US" sz="2800">
+                <a:solidFill>
+                  <a:srgbClr val="000000"/>
+                </a:solidFill>
+                <a:latin typeface="Calibri"/>
+              </a:rPr>
+              <a:t>Single files: pip-log.txt</a:t>
+            </a:r>
+            <a:endParaRPr/>
+          </a:p>
+          <a:p>
+            <a:pPr lvl="1">
+              <a:lnSpc>
+                <a:spcPct val="100000"/>
+              </a:lnSpc>
+              <a:buFont typeface="Arial"/>
+              <a:buChar char="–"/>
+            </a:pPr>
+            <a:r>
+              <a:rPr lang="en-US" sz="2800">
+                <a:solidFill>
+                  <a:srgbClr val="000000"/>
+                </a:solidFill>
+                <a:latin typeface="Calibri"/>
+              </a:rPr>
+              <a:t>All files with a matching extension: *.pyc</a:t>
+            </a:r>
+            <a:endParaRPr/>
+          </a:p>
+          <a:p>
+            <a:pPr lvl="1">
+              <a:lnSpc>
+                <a:spcPct val="100000"/>
+              </a:lnSpc>
+              <a:buFont typeface="Arial"/>
+              <a:buChar char="–"/>
+            </a:pPr>
+            <a:r>
+              <a:rPr lang="en-US" sz="2800">
+                <a:solidFill>
+                  <a:srgbClr val="000000"/>
+                </a:solidFill>
+                <a:latin typeface="Calibri"/>
+              </a:rPr>
+              <a:t>Directories: env/</a:t>
             </a:r>
             <a:endParaRPr/>
           </a:p>
@@ -7276,79 +7842,77 @@
                 </a:solidFill>
                 <a:latin typeface="Calibri"/>
               </a:rPr>
-              <a:t>Create a file named “about.md”</a:t>
-            </a:r>
-            <a:endParaRPr/>
-          </a:p>
-          <a:p>
-            <a:pPr>
-              <a:lnSpc>
-                <a:spcPct val="100000"/>
-              </a:lnSpc>
-              <a:buFont typeface="Arial"/>
-              <a:buChar char="•"/>
-            </a:pPr>
-            <a:r>
-              <a:rPr lang="en-US" sz="3200">
-                <a:solidFill>
-                  <a:srgbClr val="000000"/>
-                </a:solidFill>
-                <a:latin typeface="Calibri"/>
-              </a:rPr>
-              <a:t>Write something using Markdown (optional)</a:t>
-            </a:r>
-            <a:endParaRPr/>
-          </a:p>
-          <a:p>
-            <a:pPr>
-              <a:lnSpc>
-                <a:spcPct val="100000"/>
-              </a:lnSpc>
-              <a:buFont typeface="Arial"/>
-              <a:buChar char="•"/>
-            </a:pPr>
-            <a:r>
-              <a:rPr lang="en-US" sz="3200">
-                <a:solidFill>
-                  <a:srgbClr val="000000"/>
-                </a:solidFill>
-                <a:latin typeface="Calibri"/>
-              </a:rPr>
-              <a:t>Using Git: add, commit, push</a:t>
-            </a:r>
-            <a:endParaRPr/>
-          </a:p>
-          <a:p>
-            <a:pPr>
-              <a:lnSpc>
-                <a:spcPct val="100000"/>
-              </a:lnSpc>
-              <a:buFont typeface="Arial"/>
-              <a:buChar char="•"/>
-            </a:pPr>
-            <a:r>
-              <a:rPr lang="en-US" sz="3200">
-                <a:solidFill>
-                  <a:srgbClr val="000000"/>
-                </a:solidFill>
-                <a:latin typeface="Calibri"/>
-              </a:rPr>
-              <a:t>Create a pull request: “I request that you pull changes from my repo into your repo”</a:t>
-            </a:r>
-            <a:endParaRPr/>
-          </a:p>
-          <a:p>
-            <a:pPr>
-              <a:lnSpc>
-                <a:spcPct val="100000"/>
-              </a:lnSpc>
-            </a:pPr>
+              <a:t>Templates: </a:t>
+            </a:r>
+            <a:r>
+              <a:rPr lang="en-US" sz="3200" u="sng">
+                <a:solidFill>
+                  <a:srgbClr val="0000ff"/>
+                </a:solidFill>
+                <a:latin typeface="Calibri"/>
+              </a:rPr>
+              <a:t>github.com/</a:t>
+            </a:r>
+            <a:r>
+              <a:rPr lang="en-US" sz="3200" u="sng">
+                <a:solidFill>
+                  <a:srgbClr val="0000ff"/>
+                </a:solidFill>
+                <a:latin typeface="Calibri"/>
+              </a:rPr>
+              <a:t>github</a:t>
+            </a:r>
+            <a:r>
+              <a:rPr lang="en-US" sz="3200" u="sng">
+                <a:solidFill>
+                  <a:srgbClr val="0000ff"/>
+                </a:solidFill>
+                <a:latin typeface="Calibri"/>
+              </a:rPr>
+              <a:t>/</a:t>
+            </a:r>
+            <a:r>
+              <a:rPr lang="en-US" sz="3200" u="sng">
+                <a:solidFill>
+                  <a:srgbClr val="0000ff"/>
+                </a:solidFill>
+                <a:latin typeface="Calibri"/>
+              </a:rPr>
+              <a:t>gitignore</a:t>
+            </a:r>
             <a:endParaRPr/>
           </a:p>
         </p:txBody>
       </p:sp>
     </p:spTree>
   </p:cSld>
+  <p:timing>
+    <p:tnLst>
+      <p:par>
+        <p:cTn id="53" dur="indefinite" restart="never" nodeType="tmRoot">
+          <p:childTnLst>
+            <p:seq>
+              <p:cTn id="54" nodeType="mainSeq"/>
+              <p:prevCondLst>
+                <p:cond delay="0" evt="onPrev">
+                  <p:tgtEl>
+                    <p:sldTgt/>
+                  </p:tgtEl>
+                </p:cond>
+              </p:prevCondLst>
+              <p:nextCondLst>
+                <p:cond delay="0" evt="onNext">
+                  <p:tgtEl>
+                    <p:sldTgt/>
+                  </p:tgtEl>
+                </p:cond>
+              </p:nextCondLst>
+            </p:seq>
+          </p:childTnLst>
+        </p:cTn>
+      </p:par>
+    </p:tnLst>
+  </p:timing>
 </p:sld>
 </file>
 
@@ -7399,39 +7963,164 @@
                 </a:solidFill>
                 <a:latin typeface="Calibri"/>
               </a:rPr>
-              <a:t>GitHub flow for syncing a fork</a:t>
-            </a:r>
-            <a:endParaRPr/>
-          </a:p>
-        </p:txBody>
-      </p:sp>
-      <p:pic>
-        <p:nvPicPr>
-          <p:cNvPr id="133" name="Picture 2" descr=""/>
-          <p:cNvPicPr/>
+              <a:t>Gists: lightweight repos</a:t>
+            </a:r>
+            <a:endParaRPr/>
+          </a:p>
+        </p:txBody>
+      </p:sp>
+      <p:sp>
+        <p:nvSpPr>
+          <p:cNvPr id="133" name="TextShape 2"/>
+          <p:cNvSpPr txBox="1"/>
           <p:nvPr/>
-        </p:nvPicPr>
-        <p:blipFill>
-          <a:blip r:embed="rId1"/>
-          <a:stretch>
-            <a:fillRect/>
-          </a:stretch>
-        </p:blipFill>
-        <p:spPr>
-          <a:xfrm>
-            <a:off x="1371600" y="1295280"/>
-            <a:ext cx="6171840" cy="4702320"/>
-          </a:xfrm>
-          <a:prstGeom prst="rect">
-            <a:avLst/>
-          </a:prstGeom>
-          <a:ln>
-            <a:noFill/>
-          </a:ln>
-        </p:spPr>
-      </p:pic>
+        </p:nvSpPr>
+        <p:spPr>
+          <a:xfrm>
+            <a:off x="457200" y="1600200"/>
+            <a:ext cx="8229240" cy="4525560"/>
+          </a:xfrm>
+          <a:prstGeom prst="rect">
+            <a:avLst/>
+          </a:prstGeom>
+        </p:spPr>
+        <p:txBody>
+          <a:bodyPr/>
+          <a:p>
+            <a:pPr>
+              <a:lnSpc>
+                <a:spcPct val="100000"/>
+              </a:lnSpc>
+              <a:buFont typeface="Arial"/>
+              <a:buChar char="•"/>
+            </a:pPr>
+            <a:r>
+              <a:rPr lang="en-US" sz="3200">
+                <a:solidFill>
+                  <a:srgbClr val="000000"/>
+                </a:solidFill>
+                <a:latin typeface="Calibri"/>
+              </a:rPr>
+              <a:t>You have access to Gist: </a:t>
+            </a:r>
+            <a:r>
+              <a:rPr lang="en-US" sz="3200" u="sng">
+                <a:solidFill>
+                  <a:srgbClr val="0000ff"/>
+                </a:solidFill>
+                <a:latin typeface="Calibri"/>
+              </a:rPr>
+              <a:t>gist.github.com</a:t>
+            </a:r>
+            <a:endParaRPr/>
+          </a:p>
+          <a:p>
+            <a:pPr>
+              <a:lnSpc>
+                <a:spcPct val="100000"/>
+              </a:lnSpc>
+              <a:buFont typeface="Arial"/>
+              <a:buChar char="•"/>
+            </a:pPr>
+            <a:r>
+              <a:rPr lang="en-US" sz="3200">
+                <a:solidFill>
+                  <a:srgbClr val="000000"/>
+                </a:solidFill>
+                <a:latin typeface="Calibri"/>
+              </a:rPr>
+              <a:t>Add one or more files</a:t>
+            </a:r>
+            <a:endParaRPr/>
+          </a:p>
+          <a:p>
+            <a:pPr>
+              <a:lnSpc>
+                <a:spcPct val="100000"/>
+              </a:lnSpc>
+              <a:buFont typeface="Arial"/>
+              <a:buChar char="•"/>
+            </a:pPr>
+            <a:r>
+              <a:rPr lang="en-US" sz="3200">
+                <a:solidFill>
+                  <a:srgbClr val="000000"/>
+                </a:solidFill>
+                <a:latin typeface="Calibri"/>
+              </a:rPr>
+              <a:t>Supports cloning, forking, commenting, committing</a:t>
+            </a:r>
+            <a:endParaRPr/>
+          </a:p>
+          <a:p>
+            <a:pPr>
+              <a:lnSpc>
+                <a:spcPct val="100000"/>
+              </a:lnSpc>
+              <a:buFont typeface="Arial"/>
+              <a:buChar char="•"/>
+            </a:pPr>
+            <a:r>
+              <a:rPr lang="en-US" sz="3200">
+                <a:solidFill>
+                  <a:srgbClr val="000000"/>
+                </a:solidFill>
+                <a:latin typeface="Calibri"/>
+              </a:rPr>
+              <a:t>Can be public or secret (not private)</a:t>
+            </a:r>
+            <a:endParaRPr/>
+          </a:p>
+          <a:p>
+            <a:pPr>
+              <a:lnSpc>
+                <a:spcPct val="100000"/>
+              </a:lnSpc>
+              <a:buFont typeface="Arial"/>
+              <a:buChar char="•"/>
+            </a:pPr>
+            <a:r>
+              <a:rPr lang="en-US" sz="3200">
+                <a:solidFill>
+                  <a:srgbClr val="000000"/>
+                </a:solidFill>
+                <a:latin typeface="Calibri"/>
+              </a:rPr>
+              <a:t>Useful for snippets, embedding, IPython nbviewer, etc.</a:t>
+            </a:r>
+            <a:endParaRPr/>
+          </a:p>
+        </p:txBody>
+      </p:sp>
     </p:spTree>
   </p:cSld>
+  <p:timing>
+    <p:tnLst>
+      <p:par>
+        <p:cTn id="55" dur="indefinite" restart="never" nodeType="tmRoot">
+          <p:childTnLst>
+            <p:seq>
+              <p:cTn id="56" nodeType="mainSeq"/>
+              <p:prevCondLst>
+                <p:cond delay="0" evt="onPrev">
+                  <p:tgtEl>
+                    <p:sldTgt/>
+                  </p:tgtEl>
+                </p:cond>
+              </p:prevCondLst>
+              <p:nextCondLst>
+                <p:cond delay="0" evt="onNext">
+                  <p:tgtEl>
+                    <p:sldTgt/>
+                  </p:tgtEl>
+                </p:cond>
+              </p:nextCondLst>
+            </p:seq>
+          </p:childTnLst>
+        </p:cTn>
+      </p:par>
+    </p:tnLst>
+  </p:timing>
 </p:sld>
 </file>
 
@@ -7482,7 +8171,7 @@
                 </a:solidFill>
                 <a:latin typeface="Calibri"/>
               </a:rPr>
-              <a:t>Sync your “DAT4-students” fork</a:t>
+              <a:t>Useful to learn next</a:t>
             </a:r>
             <a:endParaRPr/>
           </a:p>
@@ -7497,7 +8186,7 @@
         <p:spPr>
           <a:xfrm>
             <a:off x="457200" y="1600200"/>
-            <a:ext cx="8229240" cy="4723920"/>
+            <a:ext cx="8229240" cy="4876560"/>
           </a:xfrm>
           <a:prstGeom prst="rect">
             <a:avLst/>
@@ -7520,7 +8209,7 @@
                 </a:solidFill>
                 <a:latin typeface="Calibri"/>
               </a:rPr>
-              <a:t>Files have been added to DAT4-students</a:t>
+              <a:t>Working with branches</a:t>
             </a:r>
             <a:endParaRPr/>
           </a:p>
@@ -7539,63 +8228,7 @@
                 </a:solidFill>
                 <a:latin typeface="Calibri"/>
               </a:rPr>
-              <a:t>Add an “upstream” remote (one-time operation):</a:t>
-            </a:r>
-            <a:endParaRPr/>
-          </a:p>
-          <a:p>
-            <a:pPr lvl="1">
-              <a:lnSpc>
-                <a:spcPct val="100000"/>
-              </a:lnSpc>
-              <a:buFont typeface="Arial"/>
-              <a:buChar char="–"/>
-            </a:pPr>
-            <a:r>
-              <a:rPr lang="en-US" sz="2800">
-                <a:solidFill>
-                  <a:srgbClr val="000000"/>
-                </a:solidFill>
-                <a:latin typeface="Calibri"/>
-              </a:rPr>
-              <a:t> </a:t>
-            </a:r>
-            <a:r>
-              <a:rPr lang="en-US" sz="2800">
-                <a:solidFill>
-                  <a:srgbClr val="c00000"/>
-                </a:solidFill>
-                <a:latin typeface="Calibri"/>
-              </a:rPr>
-              <a:t>git remote add upstream &lt;Kevin’s URL&gt;</a:t>
-            </a:r>
-            <a:endParaRPr/>
-          </a:p>
-          <a:p>
-            <a:pPr lvl="1">
-              <a:lnSpc>
-                <a:spcPct val="100000"/>
-              </a:lnSpc>
-              <a:buFont typeface="Arial"/>
-              <a:buChar char="–"/>
-            </a:pPr>
-            <a:r>
-              <a:rPr lang="en-US" sz="2800">
-                <a:solidFill>
-                  <a:srgbClr val="000000"/>
-                </a:solidFill>
-                <a:latin typeface="Calibri"/>
-              </a:rPr>
-              <a:t>Check that it worked: </a:t>
-            </a:r>
-            <a:r>
-              <a:rPr lang="en-US" sz="2800">
-                <a:solidFill>
-                  <a:srgbClr val="c00000"/>
-                </a:solidFill>
-                <a:latin typeface="Calibri"/>
-              </a:rPr>
-              <a:t>git remote -v</a:t>
+              <a:t>Rolling back changes</a:t>
             </a:r>
             <a:endParaRPr/>
           </a:p>
@@ -7614,73 +8247,7 @@
                 </a:solidFill>
                 <a:latin typeface="Calibri"/>
               </a:rPr>
-              <a:t>Pull the changes from the upstream:</a:t>
-            </a:r>
-            <a:endParaRPr/>
-          </a:p>
-          <a:p>
-            <a:pPr lvl="1">
-              <a:lnSpc>
-                <a:spcPct val="100000"/>
-              </a:lnSpc>
-              <a:buFont typeface="Arial"/>
-              <a:buChar char="–"/>
-            </a:pPr>
-            <a:r>
-              <a:rPr lang="en-US" sz="2800">
-                <a:solidFill>
-                  <a:srgbClr val="000000"/>
-                </a:solidFill>
-                <a:latin typeface="Calibri"/>
-              </a:rPr>
-              <a:t>Like updating your local files from Dropbox</a:t>
-            </a:r>
-            <a:endParaRPr/>
-          </a:p>
-          <a:p>
-            <a:pPr lvl="1">
-              <a:lnSpc>
-                <a:spcPct val="100000"/>
-              </a:lnSpc>
-              <a:buFont typeface="Arial"/>
-              <a:buChar char="–"/>
-            </a:pPr>
-            <a:r>
-              <a:rPr lang="en-US" sz="2800">
-                <a:solidFill>
-                  <a:srgbClr val="000000"/>
-                </a:solidFill>
-                <a:latin typeface="Calibri"/>
-              </a:rPr>
-              <a:t> </a:t>
-            </a:r>
-            <a:r>
-              <a:rPr lang="en-US" sz="2800">
-                <a:solidFill>
-                  <a:srgbClr val="c00000"/>
-                </a:solidFill>
-                <a:latin typeface="Calibri"/>
-              </a:rPr>
-              <a:t>git pull upstream master</a:t>
-            </a:r>
-            <a:endParaRPr/>
-          </a:p>
-          <a:p>
-            <a:pPr lvl="1">
-              <a:lnSpc>
-                <a:spcPct val="100000"/>
-              </a:lnSpc>
-              <a:buFont typeface="Arial"/>
-              <a:buChar char="–"/>
-            </a:pPr>
-            <a:r>
-              <a:rPr lang="en-US" sz="2800">
-                <a:solidFill>
-                  <a:srgbClr val="000000"/>
-                </a:solidFill>
-                <a:latin typeface="Calibri"/>
-              </a:rPr>
-              <a:t>Pull = fetch + merge (basically)</a:t>
+              <a:t>Resolving merge conflicts</a:t>
             </a:r>
             <a:endParaRPr/>
           </a:p>
@@ -7699,35 +8266,7 @@
                 </a:solidFill>
                 <a:latin typeface="Calibri"/>
               </a:rPr>
-              <a:t>Push the changes up to GitHub (optional):</a:t>
-            </a:r>
-            <a:endParaRPr/>
-          </a:p>
-          <a:p>
-            <a:pPr lvl="1">
-              <a:lnSpc>
-                <a:spcPct val="100000"/>
-              </a:lnSpc>
-              <a:buFont typeface="Arial"/>
-              <a:buChar char="–"/>
-            </a:pPr>
-            <a:r>
-              <a:rPr lang="en-US" sz="2800">
-                <a:solidFill>
-                  <a:srgbClr val="000000"/>
-                </a:solidFill>
-                <a:latin typeface="Calibri"/>
-              </a:rPr>
-              <a:t> </a:t>
-            </a:r>
-            <a:r>
-              <a:rPr lang="en-US" sz="2800">
-                <a:solidFill>
-                  <a:srgbClr val="c00000"/>
-                </a:solidFill>
-                <a:latin typeface="Calibri"/>
-              </a:rPr>
-              <a:t>git push origin master</a:t>
+              <a:t>Fixing LF/CRLF issues</a:t>
             </a:r>
             <a:endParaRPr/>
           </a:p>
@@ -7735,6 +8274,33 @@
       </p:sp>
     </p:spTree>
   </p:cSld>
+  <p:timing>
+    <p:tnLst>
+      <p:par>
+        <p:cTn id="57" dur="indefinite" restart="never" nodeType="tmRoot">
+          <p:childTnLst>
+            <p:seq>
+              <p:cTn id="58" nodeType="mainSeq"/>
+              <p:prevCondLst>
+                <p:cond delay="0" evt="onPrev">
+                  <p:tgtEl>
+                    <p:sldTgt/>
+                  </p:tgtEl>
+                </p:cond>
+              </p:prevCondLst>
+              <p:nextCondLst>
+                <p:cond delay="0" evt="onNext">
+                  <p:tgtEl>
+                    <p:sldTgt/>
+                  </p:tgtEl>
+                </p:cond>
+              </p:nextCondLst>
+            </p:seq>
+          </p:childTnLst>
+        </p:cTn>
+      </p:par>
+    </p:tnLst>
+  </p:timing>
 </p:sld>
 </file>
 
@@ -7871,8 +8437,8 @@
         </p:nvSpPr>
         <p:spPr>
           <a:xfrm>
-            <a:off x="457200" y="274680"/>
-            <a:ext cx="8229240" cy="1142640"/>
+            <a:off x="685800" y="2130480"/>
+            <a:ext cx="7772040" cy="1469520"/>
           </a:xfrm>
           <a:prstGeom prst="rect">
             <a:avLst/>
@@ -7893,7 +8459,7 @@
                 </a:solidFill>
                 <a:latin typeface="Calibri"/>
               </a:rPr>
-              <a:t>Recipe for submitting homework</a:t>
+              <a:t>Contributing on GitHub</a:t>
             </a:r>
             <a:endParaRPr/>
           </a:p>
@@ -7907,8 +8473,8 @@
         </p:nvSpPr>
         <p:spPr>
           <a:xfrm>
-            <a:off x="457200" y="1447920"/>
-            <a:ext cx="8229240" cy="4876560"/>
+            <a:off x="1371600" y="3886200"/>
+            <a:ext cx="6400440" cy="1752120"/>
           </a:xfrm>
           <a:prstGeom prst="rect">
             <a:avLst/>
@@ -7917,224 +8483,40 @@
         <p:txBody>
           <a:bodyPr/>
           <a:p>
-            <a:pPr>
-              <a:lnSpc>
-                <a:spcPct val="100000"/>
-              </a:lnSpc>
-              <a:buFont typeface="Calibri"/>
-              <a:buAutoNum type="arabicPeriod"/>
-            </a:pPr>
-            <a:r>
-              <a:rPr lang="en-US" sz="3200">
-                <a:solidFill>
-                  <a:srgbClr val="000000"/>
-                </a:solidFill>
-                <a:latin typeface="Calibri"/>
-              </a:rPr>
-              <a:t>Navigate to DAT4-students (locally)</a:t>
-            </a:r>
-            <a:endParaRPr/>
-          </a:p>
-          <a:p>
-            <a:pPr>
-              <a:lnSpc>
-                <a:spcPct val="100000"/>
-              </a:lnSpc>
-              <a:buFont typeface="Calibri"/>
-              <a:buAutoNum type="arabicPeriod"/>
-            </a:pPr>
-            <a:r>
-              <a:rPr lang="en-US" sz="3200">
-                <a:solidFill>
-                  <a:srgbClr val="000000"/>
-                </a:solidFill>
-                <a:latin typeface="Calibri"/>
-              </a:rPr>
-              <a:t> </a:t>
-            </a:r>
-            <a:r>
-              <a:rPr lang="en-US" sz="3200">
-                <a:solidFill>
-                  <a:srgbClr val="c00000"/>
-                </a:solidFill>
-                <a:latin typeface="Calibri"/>
-              </a:rPr>
-              <a:t>git pull upstream master</a:t>
-            </a:r>
-            <a:endParaRPr/>
-          </a:p>
-          <a:p>
-            <a:pPr>
-              <a:lnSpc>
-                <a:spcPct val="100000"/>
-              </a:lnSpc>
-              <a:buFont typeface="Calibri"/>
-              <a:buAutoNum type="arabicPeriod"/>
-            </a:pPr>
-            <a:r>
-              <a:rPr lang="en-US" sz="3200">
-                <a:solidFill>
-                  <a:srgbClr val="000000"/>
-                </a:solidFill>
-                <a:latin typeface="Calibri"/>
-              </a:rPr>
-              <a:t>Copy your homework file(s) to your folder</a:t>
-            </a:r>
-            <a:endParaRPr/>
-          </a:p>
-          <a:p>
-            <a:pPr>
-              <a:lnSpc>
-                <a:spcPct val="100000"/>
-              </a:lnSpc>
-              <a:buFont typeface="Calibri"/>
-              <a:buAutoNum type="arabicPeriod"/>
-            </a:pPr>
-            <a:r>
-              <a:rPr lang="en-US" sz="3200">
-                <a:solidFill>
-                  <a:srgbClr val="000000"/>
-                </a:solidFill>
-                <a:latin typeface="Calibri"/>
-              </a:rPr>
-              <a:t> </a:t>
-            </a:r>
-            <a:r>
-              <a:rPr lang="en-US" sz="3200">
-                <a:solidFill>
-                  <a:srgbClr val="c00000"/>
-                </a:solidFill>
-                <a:latin typeface="Calibri"/>
-              </a:rPr>
-              <a:t>git add .</a:t>
-            </a:r>
-            <a:r>
-              <a:rPr lang="en-US" sz="3200">
-                <a:solidFill>
-                  <a:srgbClr val="000000"/>
-                </a:solidFill>
-                <a:latin typeface="Calibri"/>
-              </a:rPr>
-              <a:t> or </a:t>
-            </a:r>
-            <a:r>
-              <a:rPr lang="en-US" sz="3200">
-                <a:solidFill>
-                  <a:srgbClr val="c00000"/>
-                </a:solidFill>
-                <a:latin typeface="Calibri"/>
-              </a:rPr>
-              <a:t>git add &lt;filename&gt;</a:t>
-            </a:r>
-            <a:endParaRPr/>
-          </a:p>
-          <a:p>
-            <a:pPr>
-              <a:lnSpc>
-                <a:spcPct val="100000"/>
-              </a:lnSpc>
-              <a:buFont typeface="Calibri"/>
-              <a:buAutoNum type="arabicPeriod"/>
-            </a:pPr>
-            <a:r>
-              <a:rPr lang="en-US" sz="3200">
-                <a:solidFill>
-                  <a:srgbClr val="000000"/>
-                </a:solidFill>
-                <a:latin typeface="Calibri"/>
-              </a:rPr>
-              <a:t> </a:t>
-            </a:r>
-            <a:r>
-              <a:rPr lang="en-US" sz="3200">
-                <a:solidFill>
-                  <a:srgbClr val="c00000"/>
-                </a:solidFill>
-                <a:latin typeface="Calibri"/>
-              </a:rPr>
-              <a:t>git status</a:t>
-            </a:r>
-            <a:endParaRPr/>
-          </a:p>
-          <a:p>
-            <a:pPr>
-              <a:lnSpc>
-                <a:spcPct val="100000"/>
-              </a:lnSpc>
-              <a:buFont typeface="Calibri"/>
-              <a:buAutoNum type="arabicPeriod"/>
-            </a:pPr>
-            <a:r>
-              <a:rPr lang="en-US" sz="3200">
-                <a:solidFill>
-                  <a:srgbClr val="000000"/>
-                </a:solidFill>
-                <a:latin typeface="Calibri"/>
-              </a:rPr>
-              <a:t> </a:t>
-            </a:r>
-            <a:r>
-              <a:rPr lang="en-US" sz="3200">
-                <a:solidFill>
-                  <a:srgbClr val="c00000"/>
-                </a:solidFill>
-                <a:latin typeface="Calibri"/>
-              </a:rPr>
-              <a:t>git commit -m “message”</a:t>
-            </a:r>
-            <a:endParaRPr/>
-          </a:p>
-          <a:p>
-            <a:pPr>
-              <a:lnSpc>
-                <a:spcPct val="100000"/>
-              </a:lnSpc>
-              <a:buFont typeface="Calibri"/>
-              <a:buAutoNum type="arabicPeriod"/>
-            </a:pPr>
-            <a:r>
-              <a:rPr lang="en-US" sz="3200">
-                <a:solidFill>
-                  <a:srgbClr val="000000"/>
-                </a:solidFill>
-                <a:latin typeface="Calibri"/>
-              </a:rPr>
-              <a:t> </a:t>
-            </a:r>
-            <a:r>
-              <a:rPr lang="en-US" sz="3200">
-                <a:solidFill>
-                  <a:srgbClr val="c00000"/>
-                </a:solidFill>
-                <a:latin typeface="Calibri"/>
-              </a:rPr>
-              <a:t>git push origin master</a:t>
-            </a:r>
-            <a:endParaRPr/>
-          </a:p>
-          <a:p>
-            <a:pPr>
-              <a:lnSpc>
-                <a:spcPct val="100000"/>
-              </a:lnSpc>
-              <a:buFont typeface="Calibri"/>
-              <a:buAutoNum type="arabicPeriod"/>
-            </a:pPr>
-            <a:r>
-              <a:rPr lang="en-US" sz="3200">
-                <a:solidFill>
-                  <a:srgbClr val="000000"/>
-                </a:solidFill>
-                <a:latin typeface="Calibri"/>
-              </a:rPr>
-              <a:t>Create GitHub pull request (from your fork)</a:t>
-            </a:r>
+            <a:pPr algn="ctr"/>
             <a:endParaRPr/>
           </a:p>
         </p:txBody>
       </p:sp>
     </p:spTree>
   </p:cSld>
+  <p:timing>
+    <p:tnLst>
+      <p:par>
+        <p:cTn id="59" dur="indefinite" restart="never" nodeType="tmRoot">
+          <p:childTnLst>
+            <p:seq>
+              <p:cTn id="60" nodeType="mainSeq"/>
+              <p:prevCondLst>
+                <p:cond delay="0" evt="onPrev">
+                  <p:tgtEl>
+                    <p:sldTgt/>
+                  </p:tgtEl>
+                </p:cond>
+              </p:prevCondLst>
+              <p:nextCondLst>
+                <p:cond delay="0" evt="onNext">
+                  <p:tgtEl>
+                    <p:sldTgt/>
+                  </p:tgtEl>
+                </p:cond>
+              </p:nextCondLst>
+            </p:seq>
+          </p:childTnLst>
+        </p:cTn>
+      </p:par>
+    </p:tnLst>
+  </p:timing>
 </p:sld>
 </file>
 
@@ -8163,8 +8545,8 @@
         </p:nvSpPr>
         <p:spPr>
           <a:xfrm>
-            <a:off x="685800" y="2130480"/>
-            <a:ext cx="7772040" cy="1469520"/>
+            <a:off x="457200" y="274680"/>
+            <a:ext cx="8229240" cy="1142640"/>
           </a:xfrm>
           <a:prstGeom prst="rect">
             <a:avLst/>
@@ -8185,7 +8567,7 @@
                 </a:solidFill>
                 <a:latin typeface="Calibri"/>
               </a:rPr>
-              <a:t>V. Bonus Content</a:t>
+              <a:t>Forking a repo on GitHub</a:t>
             </a:r>
             <a:endParaRPr/>
           </a:p>
@@ -8199,8 +8581,8 @@
         </p:nvSpPr>
         <p:spPr>
           <a:xfrm>
-            <a:off x="1371600" y="3886200"/>
-            <a:ext cx="6400440" cy="1752120"/>
+            <a:off x="457200" y="1447920"/>
+            <a:ext cx="8229240" cy="4876560"/>
           </a:xfrm>
           <a:prstGeom prst="rect">
             <a:avLst/>
@@ -8209,13 +8591,225 @@
         <p:txBody>
           <a:bodyPr/>
           <a:p>
-            <a:pPr algn="ctr"/>
+            <a:pPr>
+              <a:lnSpc>
+                <a:spcPct val="100000"/>
+              </a:lnSpc>
+              <a:buFont typeface="Arial"/>
+              <a:buChar char="•"/>
+            </a:pPr>
+            <a:r>
+              <a:rPr lang="en-US" sz="3200">
+                <a:solidFill>
+                  <a:srgbClr val="000000"/>
+                </a:solidFill>
+                <a:latin typeface="Calibri"/>
+              </a:rPr>
+              <a:t>What is forking?</a:t>
+            </a:r>
+            <a:endParaRPr/>
+          </a:p>
+          <a:p>
+            <a:pPr lvl="1">
+              <a:lnSpc>
+                <a:spcPct val="100000"/>
+              </a:lnSpc>
+              <a:buFont typeface="Arial"/>
+              <a:buChar char="–"/>
+            </a:pPr>
+            <a:r>
+              <a:rPr lang="en-US" sz="2800">
+                <a:solidFill>
+                  <a:srgbClr val="000000"/>
+                </a:solidFill>
+                <a:latin typeface="Calibri"/>
+              </a:rPr>
+              <a:t>Copy a repo to your account (including history)</a:t>
+            </a:r>
+            <a:endParaRPr/>
+          </a:p>
+          <a:p>
+            <a:pPr lvl="1">
+              <a:lnSpc>
+                <a:spcPct val="100000"/>
+              </a:lnSpc>
+              <a:buFont typeface="Arial"/>
+              <a:buChar char="–"/>
+            </a:pPr>
+            <a:r>
+              <a:rPr lang="en-US" sz="2800">
+                <a:solidFill>
+                  <a:srgbClr val="000000"/>
+                </a:solidFill>
+                <a:latin typeface="Calibri"/>
+              </a:rPr>
+              <a:t>Does not stay in sync with the “upstream”</a:t>
+            </a:r>
+            <a:endParaRPr/>
+          </a:p>
+          <a:p>
+            <a:pPr lvl="1">
+              <a:lnSpc>
+                <a:spcPct val="100000"/>
+              </a:lnSpc>
+              <a:buFont typeface="Arial"/>
+              <a:buChar char="–"/>
+            </a:pPr>
+            <a:r>
+              <a:rPr lang="en-US" sz="2800">
+                <a:solidFill>
+                  <a:srgbClr val="000000"/>
+                </a:solidFill>
+                <a:latin typeface="Calibri"/>
+              </a:rPr>
+              <a:t>Do it! </a:t>
+            </a:r>
+            <a:r>
+              <a:rPr lang="en-US" sz="2800" u="sng">
+                <a:solidFill>
+                  <a:srgbClr val="0000ff"/>
+                </a:solidFill>
+                <a:latin typeface="Calibri"/>
+              </a:rPr>
+              <a:t>github.com/justmarkham/DAT4-students</a:t>
+            </a:r>
+            <a:endParaRPr/>
+          </a:p>
+          <a:p>
+            <a:pPr>
+              <a:lnSpc>
+                <a:spcPct val="100000"/>
+              </a:lnSpc>
+              <a:buFont typeface="Arial"/>
+              <a:buChar char="•"/>
+            </a:pPr>
+            <a:r>
+              <a:rPr lang="en-US" sz="3200">
+                <a:solidFill>
+                  <a:srgbClr val="000000"/>
+                </a:solidFill>
+                <a:latin typeface="Calibri"/>
+              </a:rPr>
+              <a:t>Why fork?</a:t>
+            </a:r>
+            <a:endParaRPr/>
+          </a:p>
+          <a:p>
+            <a:pPr lvl="1">
+              <a:lnSpc>
+                <a:spcPct val="100000"/>
+              </a:lnSpc>
+              <a:buFont typeface="Arial"/>
+              <a:buChar char="–"/>
+            </a:pPr>
+            <a:r>
+              <a:rPr lang="en-US" sz="2800">
+                <a:solidFill>
+                  <a:srgbClr val="000000"/>
+                </a:solidFill>
+                <a:latin typeface="Calibri"/>
+              </a:rPr>
+              <a:t>You want to make modifications</a:t>
+            </a:r>
+            <a:endParaRPr/>
+          </a:p>
+          <a:p>
+            <a:pPr lvl="1">
+              <a:lnSpc>
+                <a:spcPct val="100000"/>
+              </a:lnSpc>
+              <a:buFont typeface="Arial"/>
+              <a:buChar char="–"/>
+            </a:pPr>
+            <a:r>
+              <a:rPr lang="en-US" sz="2800">
+                <a:solidFill>
+                  <a:srgbClr val="000000"/>
+                </a:solidFill>
+                <a:latin typeface="Calibri"/>
+              </a:rPr>
+              <a:t>You want to contribute to the upstream</a:t>
+            </a:r>
+            <a:endParaRPr/>
+          </a:p>
+          <a:p>
+            <a:pPr>
+              <a:lnSpc>
+                <a:spcPct val="100000"/>
+              </a:lnSpc>
+              <a:buFont typeface="Arial"/>
+              <a:buChar char="•"/>
+            </a:pPr>
+            <a:r>
+              <a:rPr lang="en-US" sz="3200">
+                <a:solidFill>
+                  <a:srgbClr val="000000"/>
+                </a:solidFill>
+                <a:latin typeface="Calibri"/>
+              </a:rPr>
+              <a:t>Clone your fork: </a:t>
+            </a:r>
+            <a:r>
+              <a:rPr lang="en-US" sz="3200">
+                <a:solidFill>
+                  <a:srgbClr val="c00000"/>
+                </a:solidFill>
+                <a:latin typeface="Calibri"/>
+              </a:rPr>
+              <a:t>git clone &lt;your URL&gt;</a:t>
+            </a:r>
+            <a:endParaRPr/>
+          </a:p>
+          <a:p>
+            <a:pPr lvl="1">
+              <a:lnSpc>
+                <a:spcPct val="100000"/>
+              </a:lnSpc>
+              <a:buFont typeface="Arial"/>
+              <a:buChar char="–"/>
+            </a:pPr>
+            <a:r>
+              <a:rPr lang="en-US" sz="2800">
+                <a:solidFill>
+                  <a:srgbClr val="000000"/>
+                </a:solidFill>
+                <a:latin typeface="Calibri"/>
+              </a:rPr>
+              <a:t>Don’t clone inside your other local repo</a:t>
+            </a:r>
             <a:endParaRPr/>
           </a:p>
         </p:txBody>
       </p:sp>
     </p:spTree>
   </p:cSld>
+  <p:timing>
+    <p:tnLst>
+      <p:par>
+        <p:cTn id="61" dur="indefinite" restart="never" nodeType="tmRoot">
+          <p:childTnLst>
+            <p:seq>
+              <p:cTn id="62" nodeType="mainSeq"/>
+              <p:prevCondLst>
+                <p:cond delay="0" evt="onPrev">
+                  <p:tgtEl>
+                    <p:sldTgt/>
+                  </p:tgtEl>
+                </p:cond>
+              </p:prevCondLst>
+              <p:nextCondLst>
+                <p:cond delay="0" evt="onNext">
+                  <p:tgtEl>
+                    <p:sldTgt/>
+                  </p:tgtEl>
+                </p:cond>
+              </p:nextCondLst>
+            </p:seq>
+          </p:childTnLst>
+        </p:cTn>
+      </p:par>
+    </p:tnLst>
+  </p:timing>
 </p:sld>
 </file>
 
@@ -8266,192 +8860,66 @@
                 </a:solidFill>
                 <a:latin typeface="Calibri"/>
               </a:rPr>
-              <a:t>Two ways to initialize Git</a:t>
-            </a:r>
-            <a:endParaRPr/>
-          </a:p>
-        </p:txBody>
-      </p:sp>
-      <p:sp>
-        <p:nvSpPr>
-          <p:cNvPr id="141" name="TextShape 2"/>
-          <p:cNvSpPr txBox="1"/>
+              <a:t>GitHub flow for contributing</a:t>
+            </a:r>
+            <a:endParaRPr/>
+          </a:p>
+        </p:txBody>
+      </p:sp>
+      <p:pic>
+        <p:nvPicPr>
+          <p:cNvPr id="141" name="Picture 3" descr=""/>
+          <p:cNvPicPr/>
           <p:nvPr/>
-        </p:nvSpPr>
-        <p:spPr>
-          <a:xfrm>
-            <a:off x="457200" y="1600200"/>
-            <a:ext cx="8229240" cy="4525560"/>
-          </a:xfrm>
-          <a:prstGeom prst="rect">
-            <a:avLst/>
-          </a:prstGeom>
-        </p:spPr>
-        <p:txBody>
-          <a:bodyPr/>
-          <a:p>
-            <a:pPr>
-              <a:lnSpc>
-                <a:spcPct val="100000"/>
-              </a:lnSpc>
-              <a:buFont typeface="Arial"/>
-              <a:buChar char="•"/>
-            </a:pPr>
-            <a:r>
-              <a:rPr lang="en-US" sz="3200">
-                <a:solidFill>
-                  <a:srgbClr val="000000"/>
-                </a:solidFill>
-                <a:latin typeface="Calibri"/>
-              </a:rPr>
-              <a:t>Initialize on GitHub:</a:t>
-            </a:r>
-            <a:endParaRPr/>
-          </a:p>
-          <a:p>
-            <a:pPr lvl="1">
-              <a:lnSpc>
-                <a:spcPct val="100000"/>
-              </a:lnSpc>
-              <a:buFont typeface="Arial"/>
-              <a:buChar char="–"/>
-            </a:pPr>
-            <a:r>
-              <a:rPr lang="en-US" sz="2800">
-                <a:solidFill>
-                  <a:srgbClr val="000000"/>
-                </a:solidFill>
-                <a:latin typeface="Calibri"/>
-              </a:rPr>
-              <a:t>Create a repo on GitHub (with README)</a:t>
-            </a:r>
-            <a:endParaRPr/>
-          </a:p>
-          <a:p>
-            <a:pPr lvl="1">
-              <a:lnSpc>
-                <a:spcPct val="100000"/>
-              </a:lnSpc>
-              <a:buFont typeface="Arial"/>
-              <a:buChar char="–"/>
-            </a:pPr>
-            <a:r>
-              <a:rPr lang="en-US" sz="2800">
-                <a:solidFill>
-                  <a:srgbClr val="000000"/>
-                </a:solidFill>
-                <a:latin typeface="Calibri"/>
-              </a:rPr>
-              <a:t>Clone to your local machine</a:t>
-            </a:r>
-            <a:endParaRPr/>
-          </a:p>
-          <a:p>
-            <a:pPr>
-              <a:lnSpc>
-                <a:spcPct val="100000"/>
-              </a:lnSpc>
-              <a:buFont typeface="Arial"/>
-              <a:buChar char="•"/>
-            </a:pPr>
-            <a:r>
-              <a:rPr lang="en-US" sz="3200">
-                <a:solidFill>
-                  <a:srgbClr val="000000"/>
-                </a:solidFill>
-                <a:latin typeface="Calibri"/>
-              </a:rPr>
-              <a:t>Initialize locally:</a:t>
-            </a:r>
-            <a:endParaRPr/>
-          </a:p>
-          <a:p>
-            <a:pPr lvl="1">
-              <a:lnSpc>
-                <a:spcPct val="100000"/>
-              </a:lnSpc>
-              <a:buFont typeface="Arial"/>
-              <a:buChar char="–"/>
-            </a:pPr>
-            <a:r>
-              <a:rPr lang="en-US" sz="2800">
-                <a:solidFill>
-                  <a:srgbClr val="000000"/>
-                </a:solidFill>
-                <a:latin typeface="Calibri"/>
-              </a:rPr>
-              <a:t>Initialize Git in existing local directory: </a:t>
-            </a:r>
-            <a:r>
-              <a:rPr lang="en-US" sz="2800">
-                <a:solidFill>
-                  <a:srgbClr val="c00000"/>
-                </a:solidFill>
-                <a:latin typeface="Calibri"/>
-              </a:rPr>
-              <a:t>git init</a:t>
-            </a:r>
-            <a:endParaRPr/>
-          </a:p>
-          <a:p>
-            <a:pPr lvl="1">
-              <a:lnSpc>
-                <a:spcPct val="100000"/>
-              </a:lnSpc>
-              <a:buFont typeface="Arial"/>
-              <a:buChar char="–"/>
-            </a:pPr>
-            <a:r>
-              <a:rPr lang="en-US" sz="2800">
-                <a:solidFill>
-                  <a:srgbClr val="000000"/>
-                </a:solidFill>
-                <a:latin typeface="Calibri"/>
-              </a:rPr>
-              <a:t>Create a repo on GitHub (without README)</a:t>
-            </a:r>
-            <a:endParaRPr/>
-          </a:p>
-          <a:p>
-            <a:pPr lvl="1">
-              <a:lnSpc>
-                <a:spcPct val="100000"/>
-              </a:lnSpc>
-              <a:buFont typeface="Arial"/>
-              <a:buChar char="–"/>
-            </a:pPr>
-            <a:r>
-              <a:rPr lang="en-US" sz="2800">
-                <a:solidFill>
-                  <a:srgbClr val="000000"/>
-                </a:solidFill>
-                <a:latin typeface="Calibri"/>
-              </a:rPr>
-              <a:t>Add remote: </a:t>
-            </a:r>
-            <a:r>
-              <a:rPr lang="en-US" sz="2800">
-                <a:solidFill>
-                  <a:srgbClr val="c00000"/>
-                </a:solidFill>
-                <a:latin typeface="Calibri"/>
-              </a:rPr>
-              <a:t>git remote add origin &lt;URL&gt;</a:t>
-            </a:r>
-            <a:endParaRPr/>
-          </a:p>
-          <a:p>
-            <a:pPr>
-              <a:lnSpc>
-                <a:spcPct val="100000"/>
-              </a:lnSpc>
-            </a:pPr>
-            <a:endParaRPr/>
-          </a:p>
-        </p:txBody>
-      </p:sp>
+        </p:nvPicPr>
+        <p:blipFill>
+          <a:blip r:embed="rId1"/>
+          <a:stretch>
+            <a:fillRect/>
+          </a:stretch>
+        </p:blipFill>
+        <p:spPr>
+          <a:xfrm>
+            <a:off x="685800" y="1600200"/>
+            <a:ext cx="7695720" cy="4835160"/>
+          </a:xfrm>
+          <a:prstGeom prst="rect">
+            <a:avLst/>
+          </a:prstGeom>
+          <a:ln>
+            <a:noFill/>
+          </a:ln>
+        </p:spPr>
+      </p:pic>
     </p:spTree>
   </p:cSld>
+  <p:timing>
+    <p:tnLst>
+      <p:par>
+        <p:cTn id="63" dur="indefinite" restart="never" nodeType="tmRoot">
+          <p:childTnLst>
+            <p:seq>
+              <p:cTn id="64" nodeType="mainSeq"/>
+              <p:prevCondLst>
+                <p:cond delay="0" evt="onPrev">
+                  <p:tgtEl>
+                    <p:sldTgt/>
+                  </p:tgtEl>
+                </p:cond>
+              </p:prevCondLst>
+              <p:nextCondLst>
+                <p:cond delay="0" evt="onNext">
+                  <p:tgtEl>
+                    <p:sldTgt/>
+                  </p:tgtEl>
+                </p:cond>
+              </p:nextCondLst>
+            </p:seq>
+          </p:childTnLst>
+        </p:cTn>
+      </p:par>
+    </p:tnLst>
+  </p:timing>
 </p:sld>
 </file>
 
@@ -8502,7 +8970,7 @@
                 </a:solidFill>
                 <a:latin typeface="Calibri"/>
               </a:rPr>
-              <a:t>Deleting or moving a repo</a:t>
+              <a:t>Contribute to DAT4-students</a:t>
             </a:r>
             <a:endParaRPr/>
           </a:p>
@@ -8517,7 +8985,7 @@
         <p:spPr>
           <a:xfrm>
             <a:off x="457200" y="1600200"/>
-            <a:ext cx="8229240" cy="4525560"/>
+            <a:ext cx="8229240" cy="4800240"/>
           </a:xfrm>
           <a:prstGeom prst="rect">
             <a:avLst/>
@@ -8540,26 +9008,16 @@
                 </a:solidFill>
                 <a:latin typeface="Calibri"/>
               </a:rPr>
-              <a:t>Deleting a GitHub repo:</a:t>
-            </a:r>
-            <a:endParaRPr/>
-          </a:p>
-          <a:p>
-            <a:pPr lvl="1">
-              <a:lnSpc>
-                <a:spcPct val="100000"/>
-              </a:lnSpc>
-              <a:buFont typeface="Arial"/>
-              <a:buChar char="–"/>
-            </a:pPr>
-            <a:r>
-              <a:rPr lang="en-US" sz="2800">
-                <a:solidFill>
-                  <a:srgbClr val="000000"/>
-                </a:solidFill>
-                <a:latin typeface="Calibri"/>
-              </a:rPr>
-              <a:t>Settings, then Delete</a:t>
+              <a:t>Create a subdirectory in DAT4-students with your first name (lowercase): </a:t>
+            </a:r>
+            <a:r>
+              <a:rPr lang="en-US" sz="3200">
+                <a:solidFill>
+                  <a:srgbClr val="c00000"/>
+                </a:solidFill>
+                <a:latin typeface="Calibri"/>
+              </a:rPr>
+              <a:t>mkdir &lt;name&gt;</a:t>
             </a:r>
             <a:endParaRPr/>
           </a:p>
@@ -8578,26 +9036,16 @@
                 </a:solidFill>
                 <a:latin typeface="Calibri"/>
               </a:rPr>
-              <a:t>Deleting a local repo:</a:t>
-            </a:r>
-            <a:endParaRPr/>
-          </a:p>
-          <a:p>
-            <a:pPr lvl="1">
-              <a:lnSpc>
-                <a:spcPct val="100000"/>
-              </a:lnSpc>
-              <a:buFont typeface="Arial"/>
-              <a:buChar char="–"/>
-            </a:pPr>
-            <a:r>
-              <a:rPr lang="en-US" sz="2800">
-                <a:solidFill>
-                  <a:srgbClr val="000000"/>
-                </a:solidFill>
-                <a:latin typeface="Calibri"/>
-              </a:rPr>
-              <a:t>Just delete the folder!</a:t>
+              <a:t>Change to that subdirectory: </a:t>
+            </a:r>
+            <a:r>
+              <a:rPr lang="en-US" sz="3200">
+                <a:solidFill>
+                  <a:srgbClr val="c00000"/>
+                </a:solidFill>
+                <a:latin typeface="Calibri"/>
+              </a:rPr>
+              <a:t>cd &lt;name&gt;</a:t>
             </a:r>
             <a:endParaRPr/>
           </a:p>
@@ -8616,33 +9064,106 @@
                 </a:solidFill>
                 <a:latin typeface="Calibri"/>
               </a:rPr>
-              <a:t>Moving a local repo:</a:t>
-            </a:r>
-            <a:endParaRPr/>
-          </a:p>
-          <a:p>
-            <a:pPr lvl="1">
-              <a:lnSpc>
-                <a:spcPct val="100000"/>
-              </a:lnSpc>
-              <a:buFont typeface="Arial"/>
-              <a:buChar char="–"/>
-            </a:pPr>
-            <a:r>
-              <a:rPr lang="en-US" sz="2800">
-                <a:solidFill>
-                  <a:srgbClr val="000000"/>
-                </a:solidFill>
-                <a:latin typeface="Calibri"/>
-              </a:rPr>
-              <a:t>Just move the folder!</a:t>
-            </a:r>
+              <a:t>Create a file named “about.md”</a:t>
+            </a:r>
+            <a:endParaRPr/>
+          </a:p>
+          <a:p>
+            <a:pPr>
+              <a:lnSpc>
+                <a:spcPct val="100000"/>
+              </a:lnSpc>
+              <a:buFont typeface="Arial"/>
+              <a:buChar char="•"/>
+            </a:pPr>
+            <a:r>
+              <a:rPr lang="en-US" sz="3200">
+                <a:solidFill>
+                  <a:srgbClr val="000000"/>
+                </a:solidFill>
+                <a:latin typeface="Calibri"/>
+              </a:rPr>
+              <a:t>Write something using Markdown (optional)</a:t>
+            </a:r>
+            <a:endParaRPr/>
+          </a:p>
+          <a:p>
+            <a:pPr>
+              <a:lnSpc>
+                <a:spcPct val="100000"/>
+              </a:lnSpc>
+              <a:buFont typeface="Arial"/>
+              <a:buChar char="•"/>
+            </a:pPr>
+            <a:r>
+              <a:rPr lang="en-US" sz="3200">
+                <a:solidFill>
+                  <a:srgbClr val="000000"/>
+                </a:solidFill>
+                <a:latin typeface="Calibri"/>
+              </a:rPr>
+              <a:t>Using Git: add, commit, push</a:t>
+            </a:r>
+            <a:endParaRPr/>
+          </a:p>
+          <a:p>
+            <a:pPr>
+              <a:lnSpc>
+                <a:spcPct val="100000"/>
+              </a:lnSpc>
+              <a:buFont typeface="Arial"/>
+              <a:buChar char="•"/>
+            </a:pPr>
+            <a:r>
+              <a:rPr lang="en-US" sz="3200">
+                <a:solidFill>
+                  <a:srgbClr val="000000"/>
+                </a:solidFill>
+                <a:latin typeface="Calibri"/>
+              </a:rPr>
+              <a:t>Create a pull request: “I request that you pull changes from my repo into your repo”</a:t>
+            </a:r>
+            <a:endParaRPr/>
+          </a:p>
+          <a:p>
+            <a:pPr>
+              <a:lnSpc>
+                <a:spcPct val="100000"/>
+              </a:lnSpc>
+            </a:pPr>
             <a:endParaRPr/>
           </a:p>
         </p:txBody>
       </p:sp>
     </p:spTree>
   </p:cSld>
+  <p:timing>
+    <p:tnLst>
+      <p:par>
+        <p:cTn id="65" dur="indefinite" restart="never" nodeType="tmRoot">
+          <p:childTnLst>
+            <p:seq>
+              <p:cTn id="66" nodeType="mainSeq"/>
+              <p:prevCondLst>
+                <p:cond delay="0" evt="onPrev">
+                  <p:tgtEl>
+                    <p:sldTgt/>
+                  </p:tgtEl>
+                </p:cond>
+              </p:prevCondLst>
+              <p:nextCondLst>
+                <p:cond delay="0" evt="onNext">
+                  <p:tgtEl>
+                    <p:sldTgt/>
+                  </p:tgtEl>
+                </p:cond>
+              </p:nextCondLst>
+            </p:seq>
+          </p:childTnLst>
+        </p:cTn>
+      </p:par>
+    </p:tnLst>
+  </p:timing>
 </p:sld>
 </file>
 
@@ -8693,192 +9214,66 @@
                 </a:solidFill>
                 <a:latin typeface="Calibri"/>
               </a:rPr>
-              <a:t>Excluding files from a repo</a:t>
-            </a:r>
-            <a:endParaRPr/>
-          </a:p>
-        </p:txBody>
-      </p:sp>
-      <p:sp>
-        <p:nvSpPr>
-          <p:cNvPr id="145" name="TextShape 2"/>
-          <p:cNvSpPr txBox="1"/>
+              <a:t>GitHub flow for syncing a fork</a:t>
+            </a:r>
+            <a:endParaRPr/>
+          </a:p>
+        </p:txBody>
+      </p:sp>
+      <p:pic>
+        <p:nvPicPr>
+          <p:cNvPr id="145" name="Picture 2" descr=""/>
+          <p:cNvPicPr/>
           <p:nvPr/>
-        </p:nvSpPr>
-        <p:spPr>
-          <a:xfrm>
-            <a:off x="457200" y="1600200"/>
-            <a:ext cx="8229240" cy="4525560"/>
-          </a:xfrm>
-          <a:prstGeom prst="rect">
-            <a:avLst/>
-          </a:prstGeom>
-        </p:spPr>
-        <p:txBody>
-          <a:bodyPr/>
-          <a:p>
-            <a:pPr>
-              <a:lnSpc>
-                <a:spcPct val="100000"/>
-              </a:lnSpc>
-              <a:buFont typeface="Arial"/>
-              <a:buChar char="•"/>
-            </a:pPr>
-            <a:r>
-              <a:rPr lang="en-US" sz="3200">
-                <a:solidFill>
-                  <a:srgbClr val="000000"/>
-                </a:solidFill>
-                <a:latin typeface="Calibri"/>
-              </a:rPr>
-              <a:t>Create a “.gitignore” file in your repo: </a:t>
-            </a:r>
-            <a:r>
-              <a:rPr lang="en-US" sz="3200">
-                <a:solidFill>
-                  <a:srgbClr val="c00000"/>
-                </a:solidFill>
-                <a:latin typeface="Calibri"/>
-              </a:rPr>
-              <a:t>touch .gitignore</a:t>
-            </a:r>
-            <a:endParaRPr/>
-          </a:p>
-          <a:p>
-            <a:pPr>
-              <a:lnSpc>
-                <a:spcPct val="100000"/>
-              </a:lnSpc>
-              <a:buFont typeface="Arial"/>
-              <a:buChar char="•"/>
-            </a:pPr>
-            <a:r>
-              <a:rPr lang="en-US" sz="3200">
-                <a:solidFill>
-                  <a:srgbClr val="000000"/>
-                </a:solidFill>
-                <a:latin typeface="Calibri"/>
-              </a:rPr>
-              <a:t>Specify exclusions, one per line:</a:t>
-            </a:r>
-            <a:endParaRPr/>
-          </a:p>
-          <a:p>
-            <a:pPr lvl="1">
-              <a:lnSpc>
-                <a:spcPct val="100000"/>
-              </a:lnSpc>
-              <a:buFont typeface="Arial"/>
-              <a:buChar char="–"/>
-            </a:pPr>
-            <a:r>
-              <a:rPr lang="en-US" sz="2800">
-                <a:solidFill>
-                  <a:srgbClr val="000000"/>
-                </a:solidFill>
-                <a:latin typeface="Calibri"/>
-              </a:rPr>
-              <a:t>Single files: pip-log.txt</a:t>
-            </a:r>
-            <a:endParaRPr/>
-          </a:p>
-          <a:p>
-            <a:pPr lvl="1">
-              <a:lnSpc>
-                <a:spcPct val="100000"/>
-              </a:lnSpc>
-              <a:buFont typeface="Arial"/>
-              <a:buChar char="–"/>
-            </a:pPr>
-            <a:r>
-              <a:rPr lang="en-US" sz="2800">
-                <a:solidFill>
-                  <a:srgbClr val="000000"/>
-                </a:solidFill>
-                <a:latin typeface="Calibri"/>
-              </a:rPr>
-              <a:t>All files with a matching extension: *.pyc</a:t>
-            </a:r>
-            <a:endParaRPr/>
-          </a:p>
-          <a:p>
-            <a:pPr lvl="1">
-              <a:lnSpc>
-                <a:spcPct val="100000"/>
-              </a:lnSpc>
-              <a:buFont typeface="Arial"/>
-              <a:buChar char="–"/>
-            </a:pPr>
-            <a:r>
-              <a:rPr lang="en-US" sz="2800">
-                <a:solidFill>
-                  <a:srgbClr val="000000"/>
-                </a:solidFill>
-                <a:latin typeface="Calibri"/>
-              </a:rPr>
-              <a:t>Directories: env/</a:t>
-            </a:r>
-            <a:endParaRPr/>
-          </a:p>
-          <a:p>
-            <a:pPr>
-              <a:lnSpc>
-                <a:spcPct val="100000"/>
-              </a:lnSpc>
-              <a:buFont typeface="Arial"/>
-              <a:buChar char="•"/>
-            </a:pPr>
-            <a:r>
-              <a:rPr lang="en-US" sz="3200">
-                <a:solidFill>
-                  <a:srgbClr val="000000"/>
-                </a:solidFill>
-                <a:latin typeface="Calibri"/>
-              </a:rPr>
-              <a:t>Templates: </a:t>
-            </a:r>
-            <a:r>
-              <a:rPr lang="en-US" sz="3200" u="sng">
-                <a:solidFill>
-                  <a:srgbClr val="0000ff"/>
-                </a:solidFill>
-                <a:latin typeface="Calibri"/>
-              </a:rPr>
-              <a:t>github.com/</a:t>
-            </a:r>
-            <a:r>
-              <a:rPr lang="en-US" sz="3200" u="sng">
-                <a:solidFill>
-                  <a:srgbClr val="0000ff"/>
-                </a:solidFill>
-                <a:latin typeface="Calibri"/>
-              </a:rPr>
-              <a:t>github</a:t>
-            </a:r>
-            <a:r>
-              <a:rPr lang="en-US" sz="3200" u="sng">
-                <a:solidFill>
-                  <a:srgbClr val="0000ff"/>
-                </a:solidFill>
-                <a:latin typeface="Calibri"/>
-              </a:rPr>
-              <a:t>/</a:t>
-            </a:r>
-            <a:r>
-              <a:rPr lang="en-US" sz="3200" u="sng">
-                <a:solidFill>
-                  <a:srgbClr val="0000ff"/>
-                </a:solidFill>
-                <a:latin typeface="Calibri"/>
-              </a:rPr>
-              <a:t>gitignore</a:t>
-            </a:r>
-            <a:endParaRPr/>
-          </a:p>
-        </p:txBody>
-      </p:sp>
+        </p:nvPicPr>
+        <p:blipFill>
+          <a:blip r:embed="rId1"/>
+          <a:stretch>
+            <a:fillRect/>
+          </a:stretch>
+        </p:blipFill>
+        <p:spPr>
+          <a:xfrm>
+            <a:off x="1371600" y="1295280"/>
+            <a:ext cx="6171840" cy="4702320"/>
+          </a:xfrm>
+          <a:prstGeom prst="rect">
+            <a:avLst/>
+          </a:prstGeom>
+          <a:ln>
+            <a:noFill/>
+          </a:ln>
+        </p:spPr>
+      </p:pic>
     </p:spTree>
   </p:cSld>
+  <p:timing>
+    <p:tnLst>
+      <p:par>
+        <p:cTn id="67" dur="indefinite" restart="never" nodeType="tmRoot">
+          <p:childTnLst>
+            <p:seq>
+              <p:cTn id="68" nodeType="mainSeq"/>
+              <p:prevCondLst>
+                <p:cond delay="0" evt="onPrev">
+                  <p:tgtEl>
+                    <p:sldTgt/>
+                  </p:tgtEl>
+                </p:cond>
+              </p:prevCondLst>
+              <p:nextCondLst>
+                <p:cond delay="0" evt="onNext">
+                  <p:tgtEl>
+                    <p:sldTgt/>
+                  </p:tgtEl>
+                </p:cond>
+              </p:nextCondLst>
+            </p:seq>
+          </p:childTnLst>
+        </p:cTn>
+      </p:par>
+    </p:tnLst>
+  </p:timing>
 </p:sld>
 </file>
 
@@ -8929,7 +9324,7 @@
                 </a:solidFill>
                 <a:latin typeface="Calibri"/>
               </a:rPr>
-              <a:t>Gists: lightweight repos</a:t>
+              <a:t>Sync your “DAT4-students” fork</a:t>
             </a:r>
             <a:endParaRPr/>
           </a:p>
@@ -8944,7 +9339,7 @@
         <p:spPr>
           <a:xfrm>
             <a:off x="457200" y="1600200"/>
-            <a:ext cx="8229240" cy="4525560"/>
+            <a:ext cx="8229240" cy="4723920"/>
           </a:xfrm>
           <a:prstGeom prst="rect">
             <a:avLst/>
@@ -8967,16 +9362,7 @@
                 </a:solidFill>
                 <a:latin typeface="Calibri"/>
               </a:rPr>
-              <a:t>You have access to Gist: </a:t>
-            </a:r>
-            <a:r>
-              <a:rPr lang="en-US" sz="3200" u="sng">
-                <a:solidFill>
-                  <a:srgbClr val="0000ff"/>
-                </a:solidFill>
-                <a:latin typeface="Calibri"/>
-              </a:rPr>
-              <a:t>gist.github.com</a:t>
+              <a:t>Files have been added to DAT4-students</a:t>
             </a:r>
             <a:endParaRPr/>
           </a:p>
@@ -8995,7 +9381,63 @@
                 </a:solidFill>
                 <a:latin typeface="Calibri"/>
               </a:rPr>
-              <a:t>Add one or more files</a:t>
+              <a:t>Add an “upstream” remote (one-time operation):</a:t>
+            </a:r>
+            <a:endParaRPr/>
+          </a:p>
+          <a:p>
+            <a:pPr lvl="1">
+              <a:lnSpc>
+                <a:spcPct val="100000"/>
+              </a:lnSpc>
+              <a:buFont typeface="Arial"/>
+              <a:buChar char="–"/>
+            </a:pPr>
+            <a:r>
+              <a:rPr lang="en-US" sz="2800">
+                <a:solidFill>
+                  <a:srgbClr val="000000"/>
+                </a:solidFill>
+                <a:latin typeface="Calibri"/>
+              </a:rPr>
+              <a:t> </a:t>
+            </a:r>
+            <a:r>
+              <a:rPr lang="en-US" sz="2800">
+                <a:solidFill>
+                  <a:srgbClr val="c00000"/>
+                </a:solidFill>
+                <a:latin typeface="Calibri"/>
+              </a:rPr>
+              <a:t>git remote add upstream &lt;Kevin’s URL&gt;</a:t>
+            </a:r>
+            <a:endParaRPr/>
+          </a:p>
+          <a:p>
+            <a:pPr lvl="1">
+              <a:lnSpc>
+                <a:spcPct val="100000"/>
+              </a:lnSpc>
+              <a:buFont typeface="Arial"/>
+              <a:buChar char="–"/>
+            </a:pPr>
+            <a:r>
+              <a:rPr lang="en-US" sz="2800">
+                <a:solidFill>
+                  <a:srgbClr val="000000"/>
+                </a:solidFill>
+                <a:latin typeface="Calibri"/>
+              </a:rPr>
+              <a:t>Check that it worked: </a:t>
+            </a:r>
+            <a:r>
+              <a:rPr lang="en-US" sz="2800">
+                <a:solidFill>
+                  <a:srgbClr val="c00000"/>
+                </a:solidFill>
+                <a:latin typeface="Calibri"/>
+              </a:rPr>
+              <a:t>git remote -v</a:t>
             </a:r>
             <a:endParaRPr/>
           </a:p>
@@ -9014,7 +9456,73 @@
                 </a:solidFill>
                 <a:latin typeface="Calibri"/>
               </a:rPr>
-              <a:t>Supports cloning, forking, commenting, committing</a:t>
+              <a:t>Pull the changes from the upstream:</a:t>
+            </a:r>
+            <a:endParaRPr/>
+          </a:p>
+          <a:p>
+            <a:pPr lvl="1">
+              <a:lnSpc>
+                <a:spcPct val="100000"/>
+              </a:lnSpc>
+              <a:buFont typeface="Arial"/>
+              <a:buChar char="–"/>
+            </a:pPr>
+            <a:r>
+              <a:rPr lang="en-US" sz="2800">
+                <a:solidFill>
+                  <a:srgbClr val="000000"/>
+                </a:solidFill>
+                <a:latin typeface="Calibri"/>
+              </a:rPr>
+              <a:t>Like updating your local files from Dropbox</a:t>
+            </a:r>
+            <a:endParaRPr/>
+          </a:p>
+          <a:p>
+            <a:pPr lvl="1">
+              <a:lnSpc>
+                <a:spcPct val="100000"/>
+              </a:lnSpc>
+              <a:buFont typeface="Arial"/>
+              <a:buChar char="–"/>
+            </a:pPr>
+            <a:r>
+              <a:rPr lang="en-US" sz="2800">
+                <a:solidFill>
+                  <a:srgbClr val="000000"/>
+                </a:solidFill>
+                <a:latin typeface="Calibri"/>
+              </a:rPr>
+              <a:t> </a:t>
+            </a:r>
+            <a:r>
+              <a:rPr lang="en-US" sz="2800">
+                <a:solidFill>
+                  <a:srgbClr val="c00000"/>
+                </a:solidFill>
+                <a:latin typeface="Calibri"/>
+              </a:rPr>
+              <a:t>git pull upstream master</a:t>
+            </a:r>
+            <a:endParaRPr/>
+          </a:p>
+          <a:p>
+            <a:pPr lvl="1">
+              <a:lnSpc>
+                <a:spcPct val="100000"/>
+              </a:lnSpc>
+              <a:buFont typeface="Arial"/>
+              <a:buChar char="–"/>
+            </a:pPr>
+            <a:r>
+              <a:rPr lang="en-US" sz="2800">
+                <a:solidFill>
+                  <a:srgbClr val="000000"/>
+                </a:solidFill>
+                <a:latin typeface="Calibri"/>
+              </a:rPr>
+              <a:t>Pull = fetch + merge (basically)</a:t>
             </a:r>
             <a:endParaRPr/>
           </a:p>
@@ -9033,26 +9541,35 @@
                 </a:solidFill>
                 <a:latin typeface="Calibri"/>
               </a:rPr>
-              <a:t>Can be public or secret (not private)</a:t>
-            </a:r>
-            <a:endParaRPr/>
-          </a:p>
-          <a:p>
-            <a:pPr>
-              <a:lnSpc>
-                <a:spcPct val="100000"/>
-              </a:lnSpc>
-              <a:buFont typeface="Arial"/>
-              <a:buChar char="•"/>
-            </a:pPr>
-            <a:r>
-              <a:rPr lang="en-US" sz="3200">
-                <a:solidFill>
-                  <a:srgbClr val="000000"/>
-                </a:solidFill>
-                <a:latin typeface="Calibri"/>
-              </a:rPr>
-              <a:t>Useful for snippets, embedding, IPython nbviewer, etc.</a:t>
+              <a:t>Push the changes up to GitHub (optional):</a:t>
+            </a:r>
+            <a:endParaRPr/>
+          </a:p>
+          <a:p>
+            <a:pPr lvl="1">
+              <a:lnSpc>
+                <a:spcPct val="100000"/>
+              </a:lnSpc>
+              <a:buFont typeface="Arial"/>
+              <a:buChar char="–"/>
+            </a:pPr>
+            <a:r>
+              <a:rPr lang="en-US" sz="2800">
+                <a:solidFill>
+                  <a:srgbClr val="000000"/>
+                </a:solidFill>
+                <a:latin typeface="Calibri"/>
+              </a:rPr>
+              <a:t> </a:t>
+            </a:r>
+            <a:r>
+              <a:rPr lang="en-US" sz="2800">
+                <a:solidFill>
+                  <a:srgbClr val="c00000"/>
+                </a:solidFill>
+                <a:latin typeface="Calibri"/>
+              </a:rPr>
+              <a:t>git push origin master</a:t>
             </a:r>
             <a:endParaRPr/>
           </a:p>
@@ -9060,6 +9577,33 @@
       </p:sp>
     </p:spTree>
   </p:cSld>
+  <p:timing>
+    <p:tnLst>
+      <p:par>
+        <p:cTn id="69" dur="indefinite" restart="never" nodeType="tmRoot">
+          <p:childTnLst>
+            <p:seq>
+              <p:cTn id="70" nodeType="mainSeq"/>
+              <p:prevCondLst>
+                <p:cond delay="0" evt="onPrev">
+                  <p:tgtEl>
+                    <p:sldTgt/>
+                  </p:tgtEl>
+                </p:cond>
+              </p:prevCondLst>
+              <p:nextCondLst>
+                <p:cond delay="0" evt="onNext">
+                  <p:tgtEl>
+                    <p:sldTgt/>
+                  </p:tgtEl>
+                </p:cond>
+              </p:nextCondLst>
+            </p:seq>
+          </p:childTnLst>
+        </p:cTn>
+      </p:par>
+    </p:tnLst>
+  </p:timing>
 </p:sld>
 </file>
 
@@ -9110,7 +9654,7 @@
                 </a:solidFill>
                 <a:latin typeface="Calibri"/>
               </a:rPr>
-              <a:t>Useful to learn next</a:t>
+              <a:t>Recipe for submitting homework</a:t>
             </a:r>
             <a:endParaRPr/>
           </a:p>
@@ -9124,7 +9668,7 @@
         </p:nvSpPr>
         <p:spPr>
           <a:xfrm>
-            <a:off x="457200" y="1600200"/>
+            <a:off x="457200" y="1447920"/>
             <a:ext cx="8229240" cy="4876560"/>
           </a:xfrm>
           <a:prstGeom prst="rect">
@@ -9138,74 +9682,213 @@
               <a:lnSpc>
                 <a:spcPct val="100000"/>
               </a:lnSpc>
-              <a:buFont typeface="Arial"/>
-              <a:buChar char="•"/>
-            </a:pPr>
-            <a:r>
-              <a:rPr lang="en-US" sz="3200">
-                <a:solidFill>
-                  <a:srgbClr val="000000"/>
-                </a:solidFill>
-                <a:latin typeface="Calibri"/>
-              </a:rPr>
-              <a:t>Working with branches</a:t>
-            </a:r>
-            <a:endParaRPr/>
-          </a:p>
-          <a:p>
-            <a:pPr>
-              <a:lnSpc>
-                <a:spcPct val="100000"/>
-              </a:lnSpc>
-              <a:buFont typeface="Arial"/>
-              <a:buChar char="•"/>
-            </a:pPr>
-            <a:r>
-              <a:rPr lang="en-US" sz="3200">
-                <a:solidFill>
-                  <a:srgbClr val="000000"/>
-                </a:solidFill>
-                <a:latin typeface="Calibri"/>
-              </a:rPr>
-              <a:t>Rolling back changes</a:t>
-            </a:r>
-            <a:endParaRPr/>
-          </a:p>
-          <a:p>
-            <a:pPr>
-              <a:lnSpc>
-                <a:spcPct val="100000"/>
-              </a:lnSpc>
-              <a:buFont typeface="Arial"/>
-              <a:buChar char="•"/>
-            </a:pPr>
-            <a:r>
-              <a:rPr lang="en-US" sz="3200">
-                <a:solidFill>
-                  <a:srgbClr val="000000"/>
-                </a:solidFill>
-                <a:latin typeface="Calibri"/>
-              </a:rPr>
-              <a:t>Resolving merge conflicts</a:t>
-            </a:r>
-            <a:endParaRPr/>
-          </a:p>
-          <a:p>
-            <a:pPr>
-              <a:lnSpc>
-                <a:spcPct val="100000"/>
-              </a:lnSpc>
-              <a:buFont typeface="Arial"/>
-              <a:buChar char="•"/>
-            </a:pPr>
-            <a:r>
-              <a:rPr lang="en-US" sz="3200">
-                <a:solidFill>
-                  <a:srgbClr val="000000"/>
-                </a:solidFill>
-                <a:latin typeface="Calibri"/>
-              </a:rPr>
-              <a:t>Fixing LF/CRLF issues</a:t>
+              <a:buFont typeface="Calibri"/>
+              <a:buAutoNum type="arabicPeriod"/>
+            </a:pPr>
+            <a:r>
+              <a:rPr lang="en-US" sz="3200">
+                <a:solidFill>
+                  <a:srgbClr val="000000"/>
+                </a:solidFill>
+                <a:latin typeface="Calibri"/>
+              </a:rPr>
+              <a:t>Navigate to DAT4-students (locally)</a:t>
+            </a:r>
+            <a:endParaRPr/>
+          </a:p>
+          <a:p>
+            <a:pPr>
+              <a:lnSpc>
+                <a:spcPct val="100000"/>
+              </a:lnSpc>
+              <a:buFont typeface="Calibri"/>
+              <a:buAutoNum type="arabicPeriod"/>
+            </a:pPr>
+            <a:r>
+              <a:rPr lang="en-US" sz="3200">
+                <a:solidFill>
+                  <a:srgbClr val="000000"/>
+                </a:solidFill>
+                <a:latin typeface="Calibri"/>
+              </a:rPr>
+              <a:t> </a:t>
+            </a:r>
+            <a:r>
+              <a:rPr lang="en-US" sz="3200">
+                <a:solidFill>
+                  <a:srgbClr val="c00000"/>
+                </a:solidFill>
+                <a:latin typeface="Calibri"/>
+              </a:rPr>
+              <a:t>git pull upstream master</a:t>
+            </a:r>
+            <a:endParaRPr/>
+          </a:p>
+          <a:p>
+            <a:pPr>
+              <a:lnSpc>
+                <a:spcPct val="100000"/>
+              </a:lnSpc>
+              <a:buFont typeface="Calibri"/>
+              <a:buAutoNum type="arabicPeriod"/>
+            </a:pPr>
+            <a:r>
+              <a:rPr lang="en-US" sz="3200">
+                <a:solidFill>
+                  <a:srgbClr val="000000"/>
+                </a:solidFill>
+                <a:latin typeface="Calibri"/>
+              </a:rPr>
+              <a:t>Copy your homework file(s) to your folder</a:t>
+            </a:r>
+            <a:endParaRPr/>
+          </a:p>
+          <a:p>
+            <a:pPr>
+              <a:lnSpc>
+                <a:spcPct val="100000"/>
+              </a:lnSpc>
+              <a:buFont typeface="Calibri"/>
+              <a:buAutoNum type="arabicPeriod"/>
+            </a:pPr>
+            <a:r>
+              <a:rPr lang="en-US" sz="3200">
+                <a:solidFill>
+                  <a:srgbClr val="000000"/>
+                </a:solidFill>
+                <a:latin typeface="Calibri"/>
+              </a:rPr>
+              <a:t> </a:t>
+            </a:r>
+            <a:r>
+              <a:rPr lang="en-US" sz="3200">
+                <a:solidFill>
+                  <a:srgbClr val="c00000"/>
+                </a:solidFill>
+                <a:latin typeface="Calibri"/>
+              </a:rPr>
+              <a:t>git add .</a:t>
+            </a:r>
+            <a:r>
+              <a:rPr lang="en-US" sz="3200">
+                <a:solidFill>
+                  <a:srgbClr val="000000"/>
+                </a:solidFill>
+                <a:latin typeface="Calibri"/>
+              </a:rPr>
+              <a:t> or </a:t>
+            </a:r>
+            <a:r>
+              <a:rPr lang="en-US" sz="3200">
+                <a:solidFill>
+                  <a:srgbClr val="c00000"/>
+                </a:solidFill>
+                <a:latin typeface="Calibri"/>
+              </a:rPr>
+              <a:t>git add &lt;filename&gt;</a:t>
+            </a:r>
+            <a:endParaRPr/>
+          </a:p>
+          <a:p>
+            <a:pPr>
+              <a:lnSpc>
+                <a:spcPct val="100000"/>
+              </a:lnSpc>
+              <a:buFont typeface="Calibri"/>
+              <a:buAutoNum type="arabicPeriod"/>
+            </a:pPr>
+            <a:r>
+              <a:rPr lang="en-US" sz="3200">
+                <a:solidFill>
+                  <a:srgbClr val="000000"/>
+                </a:solidFill>
+                <a:latin typeface="Calibri"/>
+              </a:rPr>
+              <a:t> </a:t>
+            </a:r>
+            <a:r>
+              <a:rPr lang="en-US" sz="3200">
+                <a:solidFill>
+                  <a:srgbClr val="c00000"/>
+                </a:solidFill>
+                <a:latin typeface="Calibri"/>
+              </a:rPr>
+              <a:t>git status</a:t>
+            </a:r>
+            <a:endParaRPr/>
+          </a:p>
+          <a:p>
+            <a:pPr>
+              <a:lnSpc>
+                <a:spcPct val="100000"/>
+              </a:lnSpc>
+              <a:buFont typeface="Calibri"/>
+              <a:buAutoNum type="arabicPeriod"/>
+            </a:pPr>
+            <a:r>
+              <a:rPr lang="en-US" sz="3200">
+                <a:solidFill>
+                  <a:srgbClr val="000000"/>
+                </a:solidFill>
+                <a:latin typeface="Calibri"/>
+              </a:rPr>
+              <a:t> </a:t>
+            </a:r>
+            <a:r>
+              <a:rPr lang="en-US" sz="3200">
+                <a:solidFill>
+                  <a:srgbClr val="c00000"/>
+                </a:solidFill>
+                <a:latin typeface="Calibri"/>
+              </a:rPr>
+              <a:t>git commit -m “message”</a:t>
+            </a:r>
+            <a:endParaRPr/>
+          </a:p>
+          <a:p>
+            <a:pPr>
+              <a:lnSpc>
+                <a:spcPct val="100000"/>
+              </a:lnSpc>
+              <a:buFont typeface="Calibri"/>
+              <a:buAutoNum type="arabicPeriod"/>
+            </a:pPr>
+            <a:r>
+              <a:rPr lang="en-US" sz="3200">
+                <a:solidFill>
+                  <a:srgbClr val="000000"/>
+                </a:solidFill>
+                <a:latin typeface="Calibri"/>
+              </a:rPr>
+              <a:t> </a:t>
+            </a:r>
+            <a:r>
+              <a:rPr lang="en-US" sz="3200">
+                <a:solidFill>
+                  <a:srgbClr val="c00000"/>
+                </a:solidFill>
+                <a:latin typeface="Calibri"/>
+              </a:rPr>
+              <a:t>git push origin master</a:t>
+            </a:r>
+            <a:endParaRPr/>
+          </a:p>
+          <a:p>
+            <a:pPr>
+              <a:lnSpc>
+                <a:spcPct val="100000"/>
+              </a:lnSpc>
+              <a:buFont typeface="Calibri"/>
+              <a:buAutoNum type="arabicPeriod"/>
+            </a:pPr>
+            <a:r>
+              <a:rPr lang="en-US" sz="3200">
+                <a:solidFill>
+                  <a:srgbClr val="000000"/>
+                </a:solidFill>
+                <a:latin typeface="Calibri"/>
+              </a:rPr>
+              <a:t>Create GitHub pull request (from your fork)</a:t>
             </a:r>
             <a:endParaRPr/>
           </a:p>
@@ -9213,6 +9896,33 @@
       </p:sp>
     </p:spTree>
   </p:cSld>
+  <p:timing>
+    <p:tnLst>
+      <p:par>
+        <p:cTn id="71" dur="indefinite" restart="never" nodeType="tmRoot">
+          <p:childTnLst>
+            <p:seq>
+              <p:cTn id="72" nodeType="mainSeq"/>
+              <p:prevCondLst>
+                <p:cond delay="0" evt="onPrev">
+                  <p:tgtEl>
+                    <p:sldTgt/>
+                  </p:tgtEl>
+                </p:cond>
+              </p:prevCondLst>
+              <p:nextCondLst>
+                <p:cond delay="0" evt="onNext">
+                  <p:tgtEl>
+                    <p:sldTgt/>
+                  </p:tgtEl>
+                </p:cond>
+              </p:nextCondLst>
+            </p:seq>
+          </p:childTnLst>
+        </p:cTn>
+      </p:par>
+    </p:tnLst>
+  </p:timing>
 </p:sld>
 </file>
 
@@ -10067,6 +10777,33 @@
       </p:sp>
     </p:spTree>
   </p:cSld>
+  <p:timing>
+    <p:tnLst>
+      <p:par>
+        <p:cTn id="13" dur="indefinite" restart="never" nodeType="tmRoot">
+          <p:childTnLst>
+            <p:seq>
+              <p:cTn id="14" nodeType="mainSeq"/>
+              <p:prevCondLst>
+                <p:cond delay="0" evt="onPrev">
+                  <p:tgtEl>
+                    <p:sldTgt/>
+                  </p:tgtEl>
+                </p:cond>
+              </p:prevCondLst>
+              <p:nextCondLst>
+                <p:cond delay="0" evt="onNext">
+                  <p:tgtEl>
+                    <p:sldTgt/>
+                  </p:tgtEl>
+                </p:cond>
+              </p:nextCondLst>
+            </p:seq>
+          </p:childTnLst>
+        </p:cTn>
+      </p:par>
+    </p:tnLst>
+  </p:timing>
 </p:sld>
 </file>
 
@@ -10148,6 +10885,33 @@
       </p:sp>
     </p:spTree>
   </p:cSld>
+  <p:timing>
+    <p:tnLst>
+      <p:par>
+        <p:cTn id="15" dur="indefinite" restart="never" nodeType="tmRoot">
+          <p:childTnLst>
+            <p:seq>
+              <p:cTn id="16" nodeType="mainSeq"/>
+              <p:prevCondLst>
+                <p:cond delay="0" evt="onPrev">
+                  <p:tgtEl>
+                    <p:sldTgt/>
+                  </p:tgtEl>
+                </p:cond>
+              </p:prevCondLst>
+              <p:nextCondLst>
+                <p:cond delay="0" evt="onNext">
+                  <p:tgtEl>
+                    <p:sldTgt/>
+                  </p:tgtEl>
+                </p:cond>
+              </p:nextCondLst>
+            </p:seq>
+          </p:childTnLst>
+        </p:cTn>
+      </p:par>
+    </p:tnLst>
+  </p:timing>
 </p:sld>
 </file>
 
@@ -10300,6 +11064,33 @@
       </p:sp>
     </p:spTree>
   </p:cSld>
+  <p:timing>
+    <p:tnLst>
+      <p:par>
+        <p:cTn id="17" dur="indefinite" restart="never" nodeType="tmRoot">
+          <p:childTnLst>
+            <p:seq>
+              <p:cTn id="18" nodeType="mainSeq"/>
+              <p:prevCondLst>
+                <p:cond delay="0" evt="onPrev">
+                  <p:tgtEl>
+                    <p:sldTgt/>
+                  </p:tgtEl>
+                </p:cond>
+              </p:prevCondLst>
+              <p:nextCondLst>
+                <p:cond delay="0" evt="onNext">
+                  <p:tgtEl>
+                    <p:sldTgt/>
+                  </p:tgtEl>
+                </p:cond>
+              </p:nextCondLst>
+            </p:seq>
+          </p:childTnLst>
+        </p:cTn>
+      </p:par>
+    </p:tnLst>
+  </p:timing>
 </p:sld>
 </file>
 
